--- a/Apresentacoes/v02.pptx
+++ b/Apresentacoes/v02.pptx
@@ -7,16 +7,27 @@
     <p:sldMasterId id="2147483665" r:id="rId3"/>
   </p:sldMasterIdLst>
   <p:notesMasterIdLst>
-    <p:notesMasterId r:id="rId8"/>
+    <p:notesMasterId r:id="rId19"/>
   </p:notesMasterIdLst>
   <p:handoutMasterIdLst>
-    <p:handoutMasterId r:id="rId9"/>
+    <p:handoutMasterId r:id="rId20"/>
   </p:handoutMasterIdLst>
   <p:sldIdLst>
     <p:sldId id="256" r:id="rId4"/>
     <p:sldId id="257" r:id="rId5"/>
     <p:sldId id="296" r:id="rId6"/>
-    <p:sldId id="270" r:id="rId7"/>
+    <p:sldId id="299" r:id="rId7"/>
+    <p:sldId id="300" r:id="rId8"/>
+    <p:sldId id="270" r:id="rId9"/>
+    <p:sldId id="298" r:id="rId10"/>
+    <p:sldId id="301" r:id="rId11"/>
+    <p:sldId id="307" r:id="rId12"/>
+    <p:sldId id="302" r:id="rId13"/>
+    <p:sldId id="306" r:id="rId14"/>
+    <p:sldId id="297" r:id="rId15"/>
+    <p:sldId id="303" r:id="rId16"/>
+    <p:sldId id="304" r:id="rId17"/>
+    <p:sldId id="305" r:id="rId18"/>
   </p:sldIdLst>
   <p:sldSz cx="9144000" cy="5715000" type="screen16x10"/>
   <p:notesSz cx="6858000" cy="9144000"/>
@@ -865,6 +876,13 @@
   <p:clrMapOvr>
     <a:masterClrMapping/>
   </p:clrMapOvr>
+  <p:timing>
+    <p:tnLst>
+      <p:par>
+        <p:cTn id="1" dur="indefinite" restart="never" nodeType="tmRoot"/>
+      </p:par>
+    </p:tnLst>
+  </p:timing>
 </p:sldLayout>
 </file>
 
@@ -2121,6 +2139,13 @@
   <p:clrMapOvr>
     <a:masterClrMapping/>
   </p:clrMapOvr>
+  <p:timing>
+    <p:tnLst>
+      <p:par>
+        <p:cTn id="1" dur="indefinite" restart="never" nodeType="tmRoot"/>
+      </p:par>
+    </p:tnLst>
+  </p:timing>
 </p:sldLayout>
 </file>
 
@@ -2460,6 +2485,13 @@
   <p:clrMapOvr>
     <a:masterClrMapping/>
   </p:clrMapOvr>
+  <p:timing>
+    <p:tnLst>
+      <p:par>
+        <p:cTn id="1" dur="indefinite" restart="never" nodeType="tmRoot"/>
+      </p:par>
+    </p:tnLst>
+  </p:timing>
 </p:sldLayout>
 </file>
 
@@ -4174,7 +4206,7 @@
           <p:cNvPicPr>
             <a:picLocks noChangeAspect="1"/>
           </p:cNvPicPr>
-          <p:nvPr userDrawn="1"/>
+          <p:nvPr/>
         </p:nvPicPr>
         <p:blipFill>
           <a:blip r:embed="rId16" cstate="print"/>
@@ -4428,6 +4460,13 @@
     <p:sldLayoutId id="2147483662" r:id="rId13"/>
     <p:sldLayoutId id="2147483660" r:id="rId14"/>
   </p:sldLayoutIdLst>
+  <p:timing>
+    <p:tnLst>
+      <p:par>
+        <p:cTn id="1" dur="indefinite" restart="never" nodeType="tmRoot"/>
+      </p:par>
+    </p:tnLst>
+  </p:timing>
   <p:txStyles>
     <p:titleStyle>
       <a:lvl1pPr algn="ctr" defTabSz="914400" rtl="0" eaLnBrk="1" latinLnBrk="0" hangingPunct="1">
@@ -5422,7 +5461,7 @@
           <p:cNvPicPr>
             <a:picLocks noChangeAspect="1"/>
           </p:cNvPicPr>
-          <p:nvPr userDrawn="1"/>
+          <p:nvPr/>
         </p:nvPicPr>
         <p:blipFill>
           <a:blip r:embed="rId3" cstate="print"/>
@@ -5446,7 +5485,7 @@
           <p:cNvPicPr>
             <a:picLocks noChangeAspect="1"/>
           </p:cNvPicPr>
-          <p:nvPr userDrawn="1"/>
+          <p:nvPr/>
         </p:nvPicPr>
         <p:blipFill>
           <a:blip r:embed="rId4" cstate="print"/>
@@ -5769,11 +5808,7 @@
           <a:p>
             <a:r>
               <a:rPr lang="pt-PT" dirty="0" smtClean="0"/>
-              <a:t>Demonstrações</a:t>
-            </a:r>
-            <a:r>
-              <a:rPr lang="pt-PT" dirty="0" smtClean="0"/>
-              <a:t>.</a:t>
+              <a:t>Demonstrações.</a:t>
             </a:r>
             <a:endParaRPr lang="pt-PT" dirty="0"/>
           </a:p>
@@ -5801,15 +5836,7 @@
           <a:p>
             <a:r>
               <a:rPr lang="pt-PT" dirty="0" smtClean="0"/>
-              <a:t>Versão </a:t>
-            </a:r>
-            <a:r>
-              <a:rPr lang="pt-PT" dirty="0" smtClean="0"/>
-              <a:t>0.2 </a:t>
-            </a:r>
-            <a:r>
-              <a:rPr lang="pt-PT" dirty="0" smtClean="0"/>
-              <a:t>do S.I.</a:t>
+              <a:t>Versão 0.2 do S.I.</a:t>
             </a:r>
             <a:endParaRPr lang="pt-PT" dirty="0"/>
           </a:p>
@@ -5851,7 +5878,7 @@
             </a:pPr>
             <a:r>
               <a:rPr lang="pt-PT" dirty="0" smtClean="0"/>
-              <a:t>João Carvalho     Joni Correia     Bruno Duque</a:t>
+              <a:t>Bruno Duque    João Carvalho     Joni Correia</a:t>
             </a:r>
             <a:endParaRPr lang="pt-PT" dirty="0"/>
           </a:p>
@@ -5868,6 +5895,2506 @@
         <p:cTn id="1" dur="indefinite" restart="never" nodeType="tmRoot"/>
       </p:par>
     </p:tnLst>
+  </p:timing>
+</p:sld>
+</file>
+
+<file path=ppt/slides/slide10.xml><?xml version="1.0" encoding="utf-8"?>
+<p:sld xmlns:a="http://schemas.openxmlformats.org/drawingml/2006/main" xmlns:r="http://schemas.openxmlformats.org/officeDocument/2006/relationships" xmlns:p="http://schemas.openxmlformats.org/presentationml/2006/main">
+  <p:cSld>
+    <p:spTree>
+      <p:nvGrpSpPr>
+        <p:cNvPr id="1" name=""/>
+        <p:cNvGrpSpPr/>
+        <p:nvPr/>
+      </p:nvGrpSpPr>
+      <p:grpSpPr>
+        <a:xfrm>
+          <a:off x="0" y="0"/>
+          <a:ext cx="0" cy="0"/>
+          <a:chOff x="0" y="0"/>
+          <a:chExt cx="0" cy="0"/>
+        </a:xfrm>
+      </p:grpSpPr>
+      <p:sp>
+        <p:nvSpPr>
+          <p:cNvPr id="4" name="Marcador de Posição do Texto 3"/>
+          <p:cNvSpPr>
+            <a:spLocks noGrp="1"/>
+          </p:cNvSpPr>
+          <p:nvPr>
+            <p:ph type="body" sz="quarter" idx="13"/>
+          </p:nvPr>
+        </p:nvSpPr>
+        <p:spPr>
+          <a:xfrm>
+            <a:off x="2051720" y="337221"/>
+            <a:ext cx="5040560" cy="3960440"/>
+          </a:xfrm>
+        </p:spPr>
+        <p:txBody>
+          <a:bodyPr>
+            <a:noAutofit/>
+          </a:bodyPr>
+          <a:lstStyle/>
+          <a:p>
+            <a:r>
+              <a:rPr lang="en-US" b="1" dirty="0" err="1" smtClean="0">
+                <a:solidFill>
+                  <a:srgbClr val="0000FF"/>
+                </a:solidFill>
+                <a:latin typeface="Consolas"/>
+              </a:rPr>
+              <a:t>DadosImg</a:t>
+            </a:r>
+            <a:r>
+              <a:rPr lang="en-US" b="1" dirty="0" smtClean="0">
+                <a:solidFill>
+                  <a:srgbClr val="000000"/>
+                </a:solidFill>
+                <a:latin typeface="Consolas"/>
+              </a:rPr>
+              <a:t> </a:t>
+            </a:r>
+            <a:r>
+              <a:rPr lang="en-US" b="1" dirty="0" err="1" smtClean="0">
+                <a:solidFill>
+                  <a:srgbClr val="000000"/>
+                </a:solidFill>
+                <a:latin typeface="Consolas"/>
+              </a:rPr>
+              <a:t>getItemById</a:t>
+            </a:r>
+            <a:r>
+              <a:rPr lang="en-US" b="1" dirty="0" smtClean="0">
+                <a:solidFill>
+                  <a:srgbClr val="000000"/>
+                </a:solidFill>
+                <a:latin typeface="Consolas"/>
+              </a:rPr>
+              <a:t>(</a:t>
+            </a:r>
+            <a:r>
+              <a:rPr lang="en-US" b="1" dirty="0" err="1" smtClean="0">
+                <a:solidFill>
+                  <a:srgbClr val="0000FF"/>
+                </a:solidFill>
+                <a:latin typeface="Consolas"/>
+              </a:rPr>
+              <a:t>int</a:t>
+            </a:r>
+            <a:r>
+              <a:rPr lang="en-US" b="1" dirty="0" smtClean="0">
+                <a:solidFill>
+                  <a:srgbClr val="000000"/>
+                </a:solidFill>
+                <a:latin typeface="Consolas"/>
+              </a:rPr>
+              <a:t> id) {</a:t>
+            </a:r>
+          </a:p>
+          <a:p>
+            <a:r>
+              <a:rPr lang="en-US" dirty="0" smtClean="0">
+                <a:solidFill>
+                  <a:srgbClr val="000000"/>
+                </a:solidFill>
+                <a:latin typeface="Consolas"/>
+              </a:rPr>
+              <a:t>  </a:t>
+            </a:r>
+            <a:r>
+              <a:rPr lang="en-US" b="1" dirty="0" err="1" smtClean="0">
+                <a:solidFill>
+                  <a:srgbClr val="0000FF"/>
+                </a:solidFill>
+                <a:latin typeface="Consolas"/>
+              </a:rPr>
+              <a:t>SQLiteDatabase</a:t>
+            </a:r>
+            <a:r>
+              <a:rPr lang="en-US" b="1" dirty="0" smtClean="0">
+                <a:solidFill>
+                  <a:srgbClr val="000000"/>
+                </a:solidFill>
+                <a:latin typeface="Consolas"/>
+              </a:rPr>
+              <a:t> db </a:t>
+            </a:r>
+            <a:r>
+              <a:rPr lang="en-US" b="1" dirty="0" smtClean="0">
+                <a:solidFill>
+                  <a:srgbClr val="0000FF"/>
+                </a:solidFill>
+                <a:latin typeface="Consolas"/>
+              </a:rPr>
+              <a:t>=</a:t>
+            </a:r>
+            <a:r>
+              <a:rPr lang="en-US" b="1" dirty="0" smtClean="0">
+                <a:solidFill>
+                  <a:srgbClr val="000000"/>
+                </a:solidFill>
+                <a:latin typeface="Consolas"/>
+              </a:rPr>
+              <a:t> </a:t>
+            </a:r>
+            <a:r>
+              <a:rPr lang="en-US" b="1" dirty="0" err="1" smtClean="0">
+                <a:solidFill>
+                  <a:srgbClr val="318495"/>
+                </a:solidFill>
+                <a:latin typeface="Consolas"/>
+              </a:rPr>
+              <a:t>this</a:t>
+            </a:r>
+            <a:r>
+              <a:rPr lang="en-US" b="1" dirty="0" err="1" smtClean="0">
+                <a:solidFill>
+                  <a:srgbClr val="0000FF"/>
+                </a:solidFill>
+                <a:latin typeface="Consolas"/>
+              </a:rPr>
+              <a:t>.</a:t>
+            </a:r>
+            <a:r>
+              <a:rPr lang="en-US" b="1" dirty="0" err="1" smtClean="0">
+                <a:solidFill>
+                  <a:srgbClr val="000000"/>
+                </a:solidFill>
+                <a:latin typeface="Consolas"/>
+              </a:rPr>
+              <a:t>getReadableDatabase</a:t>
+            </a:r>
+            <a:r>
+              <a:rPr lang="en-US" b="1" dirty="0" smtClean="0">
+                <a:solidFill>
+                  <a:srgbClr val="000000"/>
+                </a:solidFill>
+                <a:latin typeface="Consolas"/>
+              </a:rPr>
+              <a:t>();</a:t>
+            </a:r>
+          </a:p>
+          <a:p>
+            <a:r>
+              <a:rPr lang="en-US" dirty="0" smtClean="0">
+                <a:solidFill>
+                  <a:srgbClr val="000000"/>
+                </a:solidFill>
+                <a:latin typeface="Consolas"/>
+              </a:rPr>
+              <a:t>  </a:t>
+            </a:r>
+            <a:r>
+              <a:rPr lang="pt-PT" b="1" dirty="0" smtClean="0">
+                <a:solidFill>
+                  <a:srgbClr val="0000FF"/>
+                </a:solidFill>
+                <a:latin typeface="Consolas"/>
+              </a:rPr>
+              <a:t>Cursor</a:t>
+            </a:r>
+            <a:r>
+              <a:rPr lang="pt-PT" b="1" dirty="0" smtClean="0">
+                <a:solidFill>
+                  <a:srgbClr val="000000"/>
+                </a:solidFill>
+                <a:latin typeface="Consolas"/>
+              </a:rPr>
+              <a:t> </a:t>
+            </a:r>
+            <a:r>
+              <a:rPr lang="pt-PT" b="1" dirty="0" err="1" smtClean="0">
+                <a:solidFill>
+                  <a:srgbClr val="000000"/>
+                </a:solidFill>
+                <a:latin typeface="Consolas"/>
+              </a:rPr>
+              <a:t>cursor</a:t>
+            </a:r>
+            <a:r>
+              <a:rPr lang="pt-PT" b="1" dirty="0" smtClean="0">
+                <a:solidFill>
+                  <a:srgbClr val="000000"/>
+                </a:solidFill>
+                <a:latin typeface="Consolas"/>
+              </a:rPr>
+              <a:t> </a:t>
+            </a:r>
+            <a:r>
+              <a:rPr lang="pt-PT" b="1" dirty="0" smtClean="0">
+                <a:solidFill>
+                  <a:srgbClr val="0000FF"/>
+                </a:solidFill>
+                <a:latin typeface="Consolas"/>
+              </a:rPr>
+              <a:t>=</a:t>
+            </a:r>
+            <a:r>
+              <a:rPr lang="pt-PT" b="1" dirty="0" smtClean="0">
+                <a:solidFill>
+                  <a:srgbClr val="000000"/>
+                </a:solidFill>
+                <a:latin typeface="Consolas"/>
+              </a:rPr>
+              <a:t> </a:t>
+            </a:r>
+            <a:r>
+              <a:rPr lang="pt-PT" b="1" dirty="0" err="1" smtClean="0">
+                <a:solidFill>
+                  <a:srgbClr val="000000"/>
+                </a:solidFill>
+                <a:latin typeface="Consolas"/>
+              </a:rPr>
+              <a:t>db</a:t>
+            </a:r>
+            <a:r>
+              <a:rPr lang="pt-PT" b="1" dirty="0" err="1" smtClean="0">
+                <a:solidFill>
+                  <a:srgbClr val="0000FF"/>
+                </a:solidFill>
+                <a:latin typeface="Consolas"/>
+              </a:rPr>
+              <a:t>.</a:t>
+            </a:r>
+            <a:r>
+              <a:rPr lang="pt-PT" b="1" dirty="0" err="1" smtClean="0">
+                <a:solidFill>
+                  <a:srgbClr val="000000"/>
+                </a:solidFill>
+                <a:latin typeface="Consolas"/>
+              </a:rPr>
+              <a:t>query</a:t>
+            </a:r>
+            <a:r>
+              <a:rPr lang="pt-PT" b="1" dirty="0" smtClean="0">
+                <a:solidFill>
+                  <a:srgbClr val="000000"/>
+                </a:solidFill>
+                <a:latin typeface="Consolas"/>
+              </a:rPr>
+              <a:t>(</a:t>
+            </a:r>
+          </a:p>
+          <a:p>
+            <a:r>
+              <a:rPr lang="pt-PT" dirty="0" smtClean="0">
+                <a:solidFill>
+                  <a:srgbClr val="000000"/>
+                </a:solidFill>
+                <a:latin typeface="Consolas"/>
+              </a:rPr>
+              <a:t>    </a:t>
+            </a:r>
+            <a:r>
+              <a:rPr lang="pt-PT" i="1" dirty="0" smtClean="0">
+                <a:solidFill>
+                  <a:srgbClr val="0066FF"/>
+                </a:solidFill>
+                <a:latin typeface="Consolas"/>
+              </a:rPr>
+              <a:t>// Nome da tabela</a:t>
+            </a:r>
+            <a:endParaRPr lang="pt-PT" i="1" dirty="0" smtClean="0">
+              <a:solidFill>
+                <a:srgbClr val="000000"/>
+              </a:solidFill>
+              <a:latin typeface="Consolas"/>
+            </a:endParaRPr>
+          </a:p>
+          <a:p>
+            <a:r>
+              <a:rPr lang="pt-PT" dirty="0" smtClean="0">
+                <a:solidFill>
+                  <a:srgbClr val="000000"/>
+                </a:solidFill>
+                <a:latin typeface="Consolas"/>
+              </a:rPr>
+              <a:t>    </a:t>
+            </a:r>
+            <a:r>
+              <a:rPr lang="en-US" b="1" dirty="0" smtClean="0">
+                <a:solidFill>
+                  <a:srgbClr val="C5060B"/>
+                </a:solidFill>
+                <a:latin typeface="Consolas"/>
+              </a:rPr>
+              <a:t>TABLE_IMAGES</a:t>
+            </a:r>
+            <a:r>
+              <a:rPr lang="en-US" b="1" dirty="0" smtClean="0">
+                <a:solidFill>
+                  <a:srgbClr val="000000"/>
+                </a:solidFill>
+                <a:latin typeface="Consolas"/>
+              </a:rPr>
+              <a:t>, </a:t>
+            </a:r>
+          </a:p>
+          <a:p>
+            <a:r>
+              <a:rPr lang="en-US" dirty="0" smtClean="0">
+                <a:solidFill>
+                  <a:srgbClr val="000000"/>
+                </a:solidFill>
+                <a:latin typeface="Consolas"/>
+              </a:rPr>
+              <a:t>    </a:t>
+            </a:r>
+            <a:r>
+              <a:rPr lang="en-US" i="1" dirty="0" smtClean="0">
+                <a:solidFill>
+                  <a:srgbClr val="0066FF"/>
+                </a:solidFill>
+                <a:latin typeface="Consolas"/>
+              </a:rPr>
+              <a:t>// </a:t>
+            </a:r>
+            <a:r>
+              <a:rPr lang="en-US" i="1" dirty="0" err="1" smtClean="0">
+                <a:solidFill>
+                  <a:srgbClr val="0066FF"/>
+                </a:solidFill>
+                <a:latin typeface="Consolas"/>
+              </a:rPr>
+              <a:t>Colunas</a:t>
+            </a:r>
+            <a:endParaRPr lang="en-US" i="1" dirty="0" smtClean="0">
+              <a:solidFill>
+                <a:srgbClr val="000000"/>
+              </a:solidFill>
+              <a:latin typeface="Consolas"/>
+            </a:endParaRPr>
+          </a:p>
+          <a:p>
+            <a:r>
+              <a:rPr lang="en-US" dirty="0" smtClean="0">
+                <a:solidFill>
+                  <a:srgbClr val="000000"/>
+                </a:solidFill>
+                <a:latin typeface="Consolas"/>
+              </a:rPr>
+              <a:t>    </a:t>
+            </a:r>
+            <a:r>
+              <a:rPr lang="en-US" b="1" dirty="0" smtClean="0">
+                <a:solidFill>
+                  <a:srgbClr val="0000FF"/>
+                </a:solidFill>
+                <a:latin typeface="Consolas"/>
+              </a:rPr>
+              <a:t>new</a:t>
+            </a:r>
+            <a:r>
+              <a:rPr lang="en-US" b="1" dirty="0" smtClean="0">
+                <a:solidFill>
+                  <a:srgbClr val="000000"/>
+                </a:solidFill>
+                <a:latin typeface="Consolas"/>
+              </a:rPr>
+              <a:t> </a:t>
+            </a:r>
+            <a:r>
+              <a:rPr lang="en-US" b="1" dirty="0" smtClean="0">
+                <a:solidFill>
+                  <a:srgbClr val="0000FF"/>
+                </a:solidFill>
+                <a:latin typeface="Consolas"/>
+              </a:rPr>
+              <a:t>String</a:t>
+            </a:r>
+            <a:r>
+              <a:rPr lang="en-US" b="1" dirty="0" smtClean="0">
+                <a:solidFill>
+                  <a:srgbClr val="000000"/>
+                </a:solidFill>
+                <a:latin typeface="Consolas"/>
+              </a:rPr>
+              <a:t>[] { </a:t>
+            </a:r>
+            <a:r>
+              <a:rPr lang="en-US" b="1" dirty="0" smtClean="0">
+                <a:solidFill>
+                  <a:srgbClr val="C5060B"/>
+                </a:solidFill>
+                <a:latin typeface="Consolas"/>
+              </a:rPr>
+              <a:t>KEY_ID</a:t>
+            </a:r>
+            <a:r>
+              <a:rPr lang="en-US" b="1" dirty="0" smtClean="0">
+                <a:solidFill>
+                  <a:srgbClr val="000000"/>
+                </a:solidFill>
+                <a:latin typeface="Consolas"/>
+              </a:rPr>
+              <a:t>, </a:t>
+            </a:r>
+            <a:r>
+              <a:rPr lang="en-US" b="1" dirty="0" smtClean="0">
+                <a:solidFill>
+                  <a:srgbClr val="C5060B"/>
+                </a:solidFill>
+                <a:latin typeface="Consolas"/>
+              </a:rPr>
+              <a:t>KEY_NAME</a:t>
+            </a:r>
+            <a:r>
+              <a:rPr lang="en-US" b="1" dirty="0" smtClean="0">
+                <a:solidFill>
+                  <a:srgbClr val="000000"/>
+                </a:solidFill>
+                <a:latin typeface="Consolas"/>
+              </a:rPr>
+              <a:t>, </a:t>
+            </a:r>
+            <a:r>
+              <a:rPr lang="en-US" b="1" dirty="0" smtClean="0">
+                <a:solidFill>
+                  <a:srgbClr val="C5060B"/>
+                </a:solidFill>
+                <a:latin typeface="Consolas"/>
+              </a:rPr>
+              <a:t>KEY_IMAGE</a:t>
+            </a:r>
+            <a:r>
+              <a:rPr lang="en-US" b="1" dirty="0" smtClean="0">
+                <a:solidFill>
+                  <a:srgbClr val="000000"/>
+                </a:solidFill>
+                <a:latin typeface="Consolas"/>
+              </a:rPr>
+              <a:t> }, </a:t>
+            </a:r>
+          </a:p>
+          <a:p>
+            <a:r>
+              <a:rPr lang="en-US" dirty="0" smtClean="0">
+                <a:solidFill>
+                  <a:srgbClr val="000000"/>
+                </a:solidFill>
+                <a:latin typeface="Consolas"/>
+              </a:rPr>
+              <a:t>    </a:t>
+            </a:r>
+            <a:r>
+              <a:rPr lang="pt-PT" i="1" dirty="0" smtClean="0">
+                <a:solidFill>
+                  <a:srgbClr val="0066FF"/>
+                </a:solidFill>
+                <a:latin typeface="Consolas"/>
+              </a:rPr>
+              <a:t>// </a:t>
+            </a:r>
+            <a:r>
+              <a:rPr lang="pt-PT" i="1" dirty="0" smtClean="0">
+                <a:solidFill>
+                  <a:srgbClr val="0066FF"/>
+                </a:solidFill>
+                <a:latin typeface="Consolas"/>
+              </a:rPr>
+              <a:t>Seleção</a:t>
+            </a:r>
+            <a:endParaRPr lang="pt-PT" i="1" dirty="0" smtClean="0">
+              <a:solidFill>
+                <a:srgbClr val="000000"/>
+              </a:solidFill>
+              <a:latin typeface="Consolas"/>
+            </a:endParaRPr>
+          </a:p>
+          <a:p>
+            <a:r>
+              <a:rPr lang="en-US" dirty="0" smtClean="0">
+                <a:solidFill>
+                  <a:srgbClr val="000000"/>
+                </a:solidFill>
+                <a:latin typeface="Consolas"/>
+              </a:rPr>
+              <a:t>    </a:t>
+            </a:r>
+            <a:r>
+              <a:rPr lang="en-US" b="1" dirty="0" smtClean="0">
+                <a:solidFill>
+                  <a:srgbClr val="C5060B"/>
+                </a:solidFill>
+                <a:latin typeface="Consolas"/>
+              </a:rPr>
+              <a:t>KEY_ID</a:t>
+            </a:r>
+            <a:r>
+              <a:rPr lang="en-US" b="1" dirty="0" smtClean="0">
+                <a:solidFill>
+                  <a:srgbClr val="000000"/>
+                </a:solidFill>
+                <a:latin typeface="Consolas"/>
+              </a:rPr>
+              <a:t> </a:t>
+            </a:r>
+            <a:r>
+              <a:rPr lang="en-US" b="1" dirty="0" smtClean="0">
+                <a:solidFill>
+                  <a:srgbClr val="0000FF"/>
+                </a:solidFill>
+                <a:latin typeface="Consolas"/>
+              </a:rPr>
+              <a:t>+</a:t>
+            </a:r>
+            <a:r>
+              <a:rPr lang="en-US" b="1" dirty="0" smtClean="0">
+                <a:solidFill>
+                  <a:srgbClr val="000000"/>
+                </a:solidFill>
+                <a:latin typeface="Consolas"/>
+              </a:rPr>
+              <a:t> </a:t>
+            </a:r>
+            <a:r>
+              <a:rPr lang="en-US" b="1" dirty="0" smtClean="0">
+                <a:solidFill>
+                  <a:srgbClr val="036A07"/>
+                </a:solidFill>
+                <a:latin typeface="Consolas"/>
+              </a:rPr>
+              <a:t>"=?"</a:t>
+            </a:r>
+            <a:r>
+              <a:rPr lang="en-US" b="1" dirty="0" smtClean="0">
+                <a:solidFill>
+                  <a:srgbClr val="000000"/>
+                </a:solidFill>
+                <a:latin typeface="Consolas"/>
+              </a:rPr>
+              <a:t>,</a:t>
+            </a:r>
+          </a:p>
+          <a:p>
+            <a:r>
+              <a:rPr lang="en-US" dirty="0" smtClean="0">
+                <a:solidFill>
+                  <a:srgbClr val="000000"/>
+                </a:solidFill>
+                <a:latin typeface="Consolas"/>
+              </a:rPr>
+              <a:t>    </a:t>
+            </a:r>
+            <a:r>
+              <a:rPr lang="en-US" i="1" dirty="0" smtClean="0">
+                <a:solidFill>
+                  <a:srgbClr val="0066FF"/>
+                </a:solidFill>
+                <a:latin typeface="Consolas"/>
+              </a:rPr>
+              <a:t>// </a:t>
+            </a:r>
+            <a:r>
+              <a:rPr lang="en-US" i="1" dirty="0" err="1" smtClean="0">
+                <a:solidFill>
+                  <a:srgbClr val="0066FF"/>
+                </a:solidFill>
+                <a:latin typeface="Consolas"/>
+              </a:rPr>
+              <a:t>Outros</a:t>
+            </a:r>
+            <a:r>
+              <a:rPr lang="en-US" i="1" dirty="0" smtClean="0">
+                <a:solidFill>
+                  <a:srgbClr val="0066FF"/>
+                </a:solidFill>
+                <a:latin typeface="Consolas"/>
+              </a:rPr>
+              <a:t> </a:t>
+            </a:r>
+            <a:r>
+              <a:rPr lang="en-US" i="1" dirty="0" err="1" smtClean="0">
+                <a:solidFill>
+                  <a:srgbClr val="0066FF"/>
+                </a:solidFill>
+                <a:latin typeface="Consolas"/>
+              </a:rPr>
+              <a:t>argumentos</a:t>
+            </a:r>
+            <a:endParaRPr lang="en-US" i="1" dirty="0" smtClean="0">
+              <a:solidFill>
+                <a:srgbClr val="000000"/>
+              </a:solidFill>
+              <a:latin typeface="Consolas"/>
+            </a:endParaRPr>
+          </a:p>
+          <a:p>
+            <a:r>
+              <a:rPr lang="en-US" dirty="0" smtClean="0">
+                <a:solidFill>
+                  <a:srgbClr val="000000"/>
+                </a:solidFill>
+                <a:latin typeface="Consolas"/>
+              </a:rPr>
+              <a:t>    </a:t>
+            </a:r>
+            <a:r>
+              <a:rPr lang="en-US" b="1" dirty="0" smtClean="0">
+                <a:solidFill>
+                  <a:srgbClr val="0000FF"/>
+                </a:solidFill>
+                <a:latin typeface="Consolas"/>
+              </a:rPr>
+              <a:t>new</a:t>
+            </a:r>
+            <a:r>
+              <a:rPr lang="en-US" b="1" dirty="0" smtClean="0">
+                <a:solidFill>
+                  <a:srgbClr val="000000"/>
+                </a:solidFill>
+                <a:latin typeface="Consolas"/>
+              </a:rPr>
+              <a:t> </a:t>
+            </a:r>
+            <a:r>
+              <a:rPr lang="en-US" b="1" dirty="0" smtClean="0">
+                <a:solidFill>
+                  <a:srgbClr val="0000FF"/>
+                </a:solidFill>
+                <a:latin typeface="Consolas"/>
+              </a:rPr>
+              <a:t>String</a:t>
+            </a:r>
+            <a:r>
+              <a:rPr lang="en-US" b="1" dirty="0" smtClean="0">
+                <a:solidFill>
+                  <a:srgbClr val="000000"/>
+                </a:solidFill>
+                <a:latin typeface="Consolas"/>
+              </a:rPr>
+              <a:t>[] { </a:t>
+            </a:r>
+            <a:r>
+              <a:rPr lang="en-US" b="1" dirty="0" err="1" smtClean="0">
+                <a:solidFill>
+                  <a:srgbClr val="0000FF"/>
+                </a:solidFill>
+                <a:latin typeface="Consolas"/>
+              </a:rPr>
+              <a:t>String.</a:t>
+            </a:r>
+            <a:r>
+              <a:rPr lang="en-US" b="1" dirty="0" err="1" smtClean="0">
+                <a:solidFill>
+                  <a:srgbClr val="000000"/>
+                </a:solidFill>
+                <a:latin typeface="Consolas"/>
+              </a:rPr>
+              <a:t>valueOf</a:t>
+            </a:r>
+            <a:r>
+              <a:rPr lang="en-US" b="1" dirty="0" smtClean="0">
+                <a:solidFill>
+                  <a:srgbClr val="000000"/>
+                </a:solidFill>
+                <a:latin typeface="Consolas"/>
+              </a:rPr>
+              <a:t>(id) }</a:t>
+            </a:r>
+          </a:p>
+          <a:p>
+            <a:r>
+              <a:rPr lang="en-US" dirty="0" smtClean="0">
+                <a:solidFill>
+                  <a:srgbClr val="000000"/>
+                </a:solidFill>
+                <a:latin typeface="Consolas"/>
+              </a:rPr>
+              <a:t>  );</a:t>
+            </a:r>
+          </a:p>
+          <a:p>
+            <a:endParaRPr lang="en-US" dirty="0" smtClean="0">
+              <a:solidFill>
+                <a:srgbClr val="000000"/>
+              </a:solidFill>
+              <a:latin typeface="Consolas"/>
+            </a:endParaRPr>
+          </a:p>
+          <a:p>
+            <a:r>
+              <a:rPr lang="en-US" dirty="0" smtClean="0">
+                <a:solidFill>
+                  <a:srgbClr val="000000"/>
+                </a:solidFill>
+                <a:latin typeface="Consolas"/>
+              </a:rPr>
+              <a:t>  </a:t>
+            </a:r>
+            <a:r>
+              <a:rPr lang="en-US" i="1" dirty="0" smtClean="0">
+                <a:solidFill>
+                  <a:srgbClr val="0066FF"/>
+                </a:solidFill>
+                <a:latin typeface="Consolas"/>
+              </a:rPr>
+              <a:t>// </a:t>
+            </a:r>
+            <a:r>
+              <a:rPr lang="en-US" i="1" dirty="0" smtClean="0">
+                <a:solidFill>
+                  <a:srgbClr val="0066FF"/>
+                </a:solidFill>
+                <a:latin typeface="Consolas"/>
+              </a:rPr>
+              <a:t>Continua</a:t>
+            </a:r>
+            <a:endParaRPr lang="pt-PT" dirty="0"/>
+          </a:p>
+        </p:txBody>
+      </p:sp>
+      <p:sp>
+        <p:nvSpPr>
+          <p:cNvPr id="5" name="Marcador de Posição do Texto 4"/>
+          <p:cNvSpPr>
+            <a:spLocks noGrp="1"/>
+          </p:cNvSpPr>
+          <p:nvPr>
+            <p:ph type="body" sz="quarter" idx="14"/>
+          </p:nvPr>
+        </p:nvSpPr>
+        <p:spPr/>
+        <p:txBody>
+          <a:bodyPr/>
+          <a:lstStyle/>
+          <a:p>
+            <a:r>
+              <a:rPr lang="pt-PT" dirty="0" smtClean="0"/>
+              <a:t>Exemplo: Obter dados duma base de dados </a:t>
+            </a:r>
+            <a:r>
+              <a:rPr lang="pt-PT" dirty="0" err="1" smtClean="0"/>
+              <a:t>SQLite</a:t>
+            </a:r>
+            <a:r>
+              <a:rPr lang="pt-PT" dirty="0" smtClean="0"/>
+              <a:t> (1/1).</a:t>
+            </a:r>
+            <a:endParaRPr lang="pt-PT" dirty="0"/>
+          </a:p>
+        </p:txBody>
+      </p:sp>
+    </p:spTree>
+  </p:cSld>
+  <p:clrMapOvr>
+    <a:masterClrMapping/>
+  </p:clrMapOvr>
+  <p:timing>
+    <p:tnLst>
+      <p:par>
+        <p:cTn id="1" dur="indefinite" restart="never" nodeType="tmRoot"/>
+      </p:par>
+    </p:tnLst>
+  </p:timing>
+</p:sld>
+</file>
+
+<file path=ppt/slides/slide11.xml><?xml version="1.0" encoding="utf-8"?>
+<p:sld xmlns:a="http://schemas.openxmlformats.org/drawingml/2006/main" xmlns:r="http://schemas.openxmlformats.org/officeDocument/2006/relationships" xmlns:p="http://schemas.openxmlformats.org/presentationml/2006/main">
+  <p:cSld>
+    <p:spTree>
+      <p:nvGrpSpPr>
+        <p:cNvPr id="1" name=""/>
+        <p:cNvGrpSpPr/>
+        <p:nvPr/>
+      </p:nvGrpSpPr>
+      <p:grpSpPr>
+        <a:xfrm>
+          <a:off x="0" y="0"/>
+          <a:ext cx="0" cy="0"/>
+          <a:chOff x="0" y="0"/>
+          <a:chExt cx="0" cy="0"/>
+        </a:xfrm>
+      </p:grpSpPr>
+      <p:sp>
+        <p:nvSpPr>
+          <p:cNvPr id="2" name="Marcador de Posição do Texto 1"/>
+          <p:cNvSpPr>
+            <a:spLocks noGrp="1"/>
+          </p:cNvSpPr>
+          <p:nvPr>
+            <p:ph type="body" sz="quarter" idx="13"/>
+          </p:nvPr>
+        </p:nvSpPr>
+        <p:spPr>
+          <a:xfrm>
+            <a:off x="1799692" y="337221"/>
+            <a:ext cx="5544616" cy="3960440"/>
+          </a:xfrm>
+        </p:spPr>
+        <p:txBody>
+          <a:bodyPr>
+            <a:noAutofit/>
+          </a:bodyPr>
+          <a:lstStyle/>
+          <a:p>
+            <a:r>
+              <a:rPr lang="en-US" b="1" dirty="0" smtClean="0">
+                <a:solidFill>
+                  <a:srgbClr val="0000FF"/>
+                </a:solidFill>
+                <a:latin typeface="Consolas"/>
+              </a:rPr>
+              <a:t>if</a:t>
+            </a:r>
+            <a:r>
+              <a:rPr lang="en-US" b="1" dirty="0" smtClean="0">
+                <a:solidFill>
+                  <a:srgbClr val="000000"/>
+                </a:solidFill>
+                <a:latin typeface="Consolas"/>
+              </a:rPr>
+              <a:t> (cursor </a:t>
+            </a:r>
+            <a:r>
+              <a:rPr lang="en-US" b="1" dirty="0" smtClean="0">
+                <a:solidFill>
+                  <a:srgbClr val="0000FF"/>
+                </a:solidFill>
+                <a:latin typeface="Consolas"/>
+              </a:rPr>
+              <a:t>!=</a:t>
+            </a:r>
+            <a:r>
+              <a:rPr lang="en-US" b="1" dirty="0" smtClean="0">
+                <a:solidFill>
+                  <a:srgbClr val="000000"/>
+                </a:solidFill>
+                <a:latin typeface="Consolas"/>
+              </a:rPr>
+              <a:t> </a:t>
+            </a:r>
+            <a:r>
+              <a:rPr lang="en-US" b="1" dirty="0" smtClean="0">
+                <a:solidFill>
+                  <a:srgbClr val="585CF6"/>
+                </a:solidFill>
+                <a:latin typeface="Consolas"/>
+              </a:rPr>
+              <a:t>null</a:t>
+            </a:r>
+            <a:r>
+              <a:rPr lang="en-US" b="1" dirty="0" smtClean="0">
+                <a:solidFill>
+                  <a:srgbClr val="000000"/>
+                </a:solidFill>
+                <a:latin typeface="Consolas"/>
+              </a:rPr>
+              <a:t>) {</a:t>
+            </a:r>
+          </a:p>
+          <a:p>
+            <a:r>
+              <a:rPr lang="en-US" dirty="0" smtClean="0">
+                <a:solidFill>
+                  <a:srgbClr val="000000"/>
+                </a:solidFill>
+                <a:latin typeface="Consolas"/>
+              </a:rPr>
+              <a:t>    </a:t>
+            </a:r>
+            <a:r>
+              <a:rPr lang="en-US" dirty="0" err="1" smtClean="0">
+                <a:solidFill>
+                  <a:srgbClr val="000000"/>
+                </a:solidFill>
+                <a:latin typeface="Consolas"/>
+              </a:rPr>
+              <a:t>cursor</a:t>
+            </a:r>
+            <a:r>
+              <a:rPr lang="en-US" b="1" dirty="0" err="1" smtClean="0">
+                <a:solidFill>
+                  <a:srgbClr val="0000FF"/>
+                </a:solidFill>
+                <a:latin typeface="Consolas"/>
+              </a:rPr>
+              <a:t>.</a:t>
+            </a:r>
+            <a:r>
+              <a:rPr lang="en-US" b="1" dirty="0" err="1" smtClean="0">
+                <a:solidFill>
+                  <a:srgbClr val="000000"/>
+                </a:solidFill>
+                <a:latin typeface="Consolas"/>
+              </a:rPr>
+              <a:t>moveToFirst</a:t>
+            </a:r>
+            <a:r>
+              <a:rPr lang="en-US" b="1" dirty="0" smtClean="0">
+                <a:solidFill>
+                  <a:srgbClr val="000000"/>
+                </a:solidFill>
+                <a:latin typeface="Consolas"/>
+              </a:rPr>
+              <a:t>();</a:t>
+            </a:r>
+          </a:p>
+          <a:p>
+            <a:endParaRPr lang="en-US" dirty="0" smtClean="0">
+              <a:solidFill>
+                <a:srgbClr val="000000"/>
+              </a:solidFill>
+              <a:latin typeface="Consolas"/>
+            </a:endParaRPr>
+          </a:p>
+          <a:p>
+            <a:r>
+              <a:rPr lang="en-US" dirty="0" smtClean="0">
+                <a:solidFill>
+                  <a:srgbClr val="000000"/>
+                </a:solidFill>
+                <a:latin typeface="Consolas"/>
+              </a:rPr>
+              <a:t>    </a:t>
+            </a:r>
+            <a:r>
+              <a:rPr lang="pt-PT" i="1" dirty="0" smtClean="0">
+                <a:solidFill>
+                  <a:srgbClr val="0066FF"/>
+                </a:solidFill>
+                <a:latin typeface="Consolas"/>
+              </a:rPr>
+              <a:t>// Colocar as os valores das colunas num </a:t>
+            </a:r>
+            <a:r>
+              <a:rPr lang="pt-PT" i="1" dirty="0" smtClean="0">
+                <a:solidFill>
+                  <a:srgbClr val="0066FF"/>
+                </a:solidFill>
+                <a:latin typeface="Consolas"/>
+              </a:rPr>
+              <a:t>objeto</a:t>
+            </a:r>
+            <a:endParaRPr lang="pt-PT" i="1" dirty="0" smtClean="0">
+              <a:solidFill>
+                <a:srgbClr val="000000"/>
+              </a:solidFill>
+              <a:latin typeface="Consolas"/>
+            </a:endParaRPr>
+          </a:p>
+          <a:p>
+            <a:r>
+              <a:rPr lang="pt-PT" dirty="0" smtClean="0">
+                <a:solidFill>
+                  <a:srgbClr val="000000"/>
+                </a:solidFill>
+                <a:latin typeface="Consolas"/>
+              </a:rPr>
+              <a:t>    </a:t>
+            </a:r>
+            <a:r>
+              <a:rPr lang="en-US" b="1" dirty="0" err="1" smtClean="0">
+                <a:solidFill>
+                  <a:srgbClr val="0000FF"/>
+                </a:solidFill>
+                <a:latin typeface="Consolas"/>
+              </a:rPr>
+              <a:t>DadosImg</a:t>
+            </a:r>
+            <a:r>
+              <a:rPr lang="en-US" b="1" dirty="0" smtClean="0">
+                <a:solidFill>
+                  <a:srgbClr val="000000"/>
+                </a:solidFill>
+                <a:latin typeface="Consolas"/>
+              </a:rPr>
+              <a:t> </a:t>
+            </a:r>
+            <a:r>
+              <a:rPr lang="en-US" b="1" dirty="0" err="1" smtClean="0">
+                <a:solidFill>
+                  <a:srgbClr val="000000"/>
+                </a:solidFill>
+                <a:latin typeface="Consolas"/>
+              </a:rPr>
+              <a:t>imagem</a:t>
+            </a:r>
+            <a:r>
+              <a:rPr lang="en-US" b="1" dirty="0" smtClean="0">
+                <a:solidFill>
+                  <a:srgbClr val="000000"/>
+                </a:solidFill>
+                <a:latin typeface="Consolas"/>
+              </a:rPr>
+              <a:t> </a:t>
+            </a:r>
+            <a:r>
+              <a:rPr lang="en-US" b="1" dirty="0" smtClean="0">
+                <a:solidFill>
+                  <a:srgbClr val="0000FF"/>
+                </a:solidFill>
+                <a:latin typeface="Consolas"/>
+              </a:rPr>
+              <a:t>=</a:t>
+            </a:r>
+            <a:r>
+              <a:rPr lang="en-US" b="1" dirty="0" smtClean="0">
+                <a:solidFill>
+                  <a:srgbClr val="000000"/>
+                </a:solidFill>
+                <a:latin typeface="Consolas"/>
+              </a:rPr>
+              <a:t> </a:t>
+            </a:r>
+            <a:r>
+              <a:rPr lang="en-US" b="1" dirty="0" smtClean="0">
+                <a:solidFill>
+                  <a:srgbClr val="0000FF"/>
+                </a:solidFill>
+                <a:latin typeface="Consolas"/>
+              </a:rPr>
+              <a:t>new</a:t>
+            </a:r>
+            <a:r>
+              <a:rPr lang="en-US" b="1" dirty="0" smtClean="0">
+                <a:solidFill>
+                  <a:srgbClr val="000000"/>
+                </a:solidFill>
+                <a:latin typeface="Consolas"/>
+              </a:rPr>
+              <a:t> </a:t>
+            </a:r>
+            <a:r>
+              <a:rPr lang="en-US" b="1" dirty="0" err="1" smtClean="0">
+                <a:solidFill>
+                  <a:srgbClr val="0000FF"/>
+                </a:solidFill>
+                <a:latin typeface="Consolas"/>
+              </a:rPr>
+              <a:t>DadosImg</a:t>
+            </a:r>
+            <a:r>
+              <a:rPr lang="en-US" b="1" dirty="0" smtClean="0">
+                <a:solidFill>
+                  <a:srgbClr val="000000"/>
+                </a:solidFill>
+                <a:latin typeface="Consolas"/>
+              </a:rPr>
+              <a:t>(</a:t>
+            </a:r>
+          </a:p>
+          <a:p>
+            <a:r>
+              <a:rPr lang="en-US" dirty="0" smtClean="0">
+                <a:solidFill>
+                  <a:srgbClr val="000000"/>
+                </a:solidFill>
+                <a:latin typeface="Consolas"/>
+              </a:rPr>
+              <a:t>      </a:t>
+            </a:r>
+            <a:r>
+              <a:rPr lang="en-US" dirty="0" err="1" smtClean="0">
+                <a:solidFill>
+                  <a:srgbClr val="000000"/>
+                </a:solidFill>
+                <a:latin typeface="Consolas"/>
+              </a:rPr>
+              <a:t>cursor</a:t>
+            </a:r>
+            <a:r>
+              <a:rPr lang="en-US" b="1" dirty="0" err="1" smtClean="0">
+                <a:solidFill>
+                  <a:srgbClr val="0000FF"/>
+                </a:solidFill>
+                <a:latin typeface="Consolas"/>
+              </a:rPr>
+              <a:t>.</a:t>
+            </a:r>
+            <a:r>
+              <a:rPr lang="en-US" b="1" dirty="0" err="1" smtClean="0">
+                <a:solidFill>
+                  <a:srgbClr val="000000"/>
+                </a:solidFill>
+                <a:latin typeface="Consolas"/>
+              </a:rPr>
+              <a:t>getInt</a:t>
+            </a:r>
+            <a:r>
+              <a:rPr lang="en-US" b="1" dirty="0" smtClean="0">
+                <a:solidFill>
+                  <a:srgbClr val="000000"/>
+                </a:solidFill>
+                <a:latin typeface="Consolas"/>
+              </a:rPr>
+              <a:t>(</a:t>
+            </a:r>
+            <a:r>
+              <a:rPr lang="en-US" b="1" dirty="0" smtClean="0">
+                <a:solidFill>
+                  <a:srgbClr val="0000CD"/>
+                </a:solidFill>
+                <a:latin typeface="Consolas"/>
+              </a:rPr>
+              <a:t>0</a:t>
+            </a:r>
+            <a:r>
+              <a:rPr lang="en-US" b="1" dirty="0" smtClean="0">
+                <a:solidFill>
+                  <a:srgbClr val="000000"/>
+                </a:solidFill>
+                <a:latin typeface="Consolas"/>
+              </a:rPr>
+              <a:t>), </a:t>
+            </a:r>
+            <a:r>
+              <a:rPr lang="en-US" b="1" i="1" dirty="0" smtClean="0">
+                <a:solidFill>
+                  <a:srgbClr val="0066FF"/>
+                </a:solidFill>
+                <a:latin typeface="Consolas"/>
+              </a:rPr>
+              <a:t>// </a:t>
+            </a:r>
+            <a:r>
+              <a:rPr lang="en-US" b="1" i="1" dirty="0" err="1" smtClean="0">
+                <a:solidFill>
+                  <a:srgbClr val="0066FF"/>
+                </a:solidFill>
+                <a:latin typeface="Consolas"/>
+              </a:rPr>
+              <a:t>int</a:t>
+            </a:r>
+            <a:endParaRPr lang="en-US" b="1" i="1" dirty="0" smtClean="0">
+              <a:solidFill>
+                <a:srgbClr val="000000"/>
+              </a:solidFill>
+              <a:latin typeface="Consolas"/>
+            </a:endParaRPr>
+          </a:p>
+          <a:p>
+            <a:r>
+              <a:rPr lang="en-US" dirty="0" smtClean="0">
+                <a:solidFill>
+                  <a:srgbClr val="000000"/>
+                </a:solidFill>
+                <a:latin typeface="Consolas"/>
+              </a:rPr>
+              <a:t>      </a:t>
+            </a:r>
+            <a:r>
+              <a:rPr lang="en-US" dirty="0" err="1" smtClean="0">
+                <a:solidFill>
+                  <a:srgbClr val="000000"/>
+                </a:solidFill>
+                <a:latin typeface="Consolas"/>
+              </a:rPr>
+              <a:t>cursor</a:t>
+            </a:r>
+            <a:r>
+              <a:rPr lang="en-US" b="1" dirty="0" err="1" smtClean="0">
+                <a:solidFill>
+                  <a:srgbClr val="0000FF"/>
+                </a:solidFill>
+                <a:latin typeface="Consolas"/>
+              </a:rPr>
+              <a:t>.</a:t>
+            </a:r>
+            <a:r>
+              <a:rPr lang="en-US" b="1" dirty="0" err="1" smtClean="0">
+                <a:solidFill>
+                  <a:srgbClr val="000000"/>
+                </a:solidFill>
+                <a:latin typeface="Consolas"/>
+              </a:rPr>
+              <a:t>getString</a:t>
+            </a:r>
+            <a:r>
+              <a:rPr lang="en-US" b="1" dirty="0" smtClean="0">
+                <a:solidFill>
+                  <a:srgbClr val="000000"/>
+                </a:solidFill>
+                <a:latin typeface="Consolas"/>
+              </a:rPr>
+              <a:t>(</a:t>
+            </a:r>
+            <a:r>
+              <a:rPr lang="en-US" b="1" dirty="0" smtClean="0">
+                <a:solidFill>
+                  <a:srgbClr val="0000CD"/>
+                </a:solidFill>
+                <a:latin typeface="Consolas"/>
+              </a:rPr>
+              <a:t>1</a:t>
+            </a:r>
+            <a:r>
+              <a:rPr lang="en-US" b="1" dirty="0" smtClean="0">
+                <a:solidFill>
+                  <a:srgbClr val="000000"/>
+                </a:solidFill>
+                <a:latin typeface="Consolas"/>
+              </a:rPr>
+              <a:t>), </a:t>
+            </a:r>
+            <a:r>
+              <a:rPr lang="en-US" b="1" i="1" dirty="0" smtClean="0">
+                <a:solidFill>
+                  <a:srgbClr val="0066FF"/>
+                </a:solidFill>
+                <a:latin typeface="Consolas"/>
+              </a:rPr>
+              <a:t>// String</a:t>
+            </a:r>
+            <a:endParaRPr lang="en-US" b="1" i="1" dirty="0" smtClean="0">
+              <a:solidFill>
+                <a:srgbClr val="000000"/>
+              </a:solidFill>
+              <a:latin typeface="Consolas"/>
+            </a:endParaRPr>
+          </a:p>
+          <a:p>
+            <a:r>
+              <a:rPr lang="en-US" dirty="0" smtClean="0">
+                <a:solidFill>
+                  <a:srgbClr val="000000"/>
+                </a:solidFill>
+                <a:latin typeface="Consolas"/>
+              </a:rPr>
+              <a:t>      </a:t>
+            </a:r>
+            <a:r>
+              <a:rPr lang="pt-PT" dirty="0" err="1" smtClean="0">
+                <a:solidFill>
+                  <a:srgbClr val="000000"/>
+                </a:solidFill>
+                <a:latin typeface="Consolas"/>
+              </a:rPr>
+              <a:t>cursor</a:t>
+            </a:r>
+            <a:r>
+              <a:rPr lang="pt-PT" b="1" dirty="0" err="1" smtClean="0">
+                <a:solidFill>
+                  <a:srgbClr val="0000FF"/>
+                </a:solidFill>
+                <a:latin typeface="Consolas"/>
+              </a:rPr>
+              <a:t>.</a:t>
+            </a:r>
+            <a:r>
+              <a:rPr lang="pt-PT" b="1" dirty="0" err="1" smtClean="0">
+                <a:solidFill>
+                  <a:srgbClr val="000000"/>
+                </a:solidFill>
+                <a:latin typeface="Consolas"/>
+              </a:rPr>
+              <a:t>getBlob</a:t>
+            </a:r>
+            <a:r>
+              <a:rPr lang="pt-PT" b="1" dirty="0" smtClean="0">
+                <a:solidFill>
+                  <a:srgbClr val="000000"/>
+                </a:solidFill>
+                <a:latin typeface="Consolas"/>
+              </a:rPr>
+              <a:t>(</a:t>
+            </a:r>
+            <a:r>
+              <a:rPr lang="pt-PT" b="1" dirty="0" smtClean="0">
+                <a:solidFill>
+                  <a:srgbClr val="0000CD"/>
+                </a:solidFill>
+                <a:latin typeface="Consolas"/>
+              </a:rPr>
+              <a:t>2</a:t>
+            </a:r>
+            <a:r>
+              <a:rPr lang="pt-PT" b="1" dirty="0" smtClean="0">
+                <a:solidFill>
+                  <a:srgbClr val="000000"/>
+                </a:solidFill>
+                <a:latin typeface="Consolas"/>
+              </a:rPr>
+              <a:t>) </a:t>
+            </a:r>
+            <a:r>
+              <a:rPr lang="pt-PT" b="1" i="1" dirty="0" smtClean="0">
+                <a:solidFill>
+                  <a:srgbClr val="0066FF"/>
+                </a:solidFill>
+                <a:latin typeface="Consolas"/>
+              </a:rPr>
+              <a:t>// byte[]</a:t>
+            </a:r>
+            <a:endParaRPr lang="pt-PT" b="1" i="1" dirty="0" smtClean="0">
+              <a:solidFill>
+                <a:srgbClr val="000000"/>
+              </a:solidFill>
+              <a:latin typeface="Consolas"/>
+            </a:endParaRPr>
+          </a:p>
+          <a:p>
+            <a:r>
+              <a:rPr lang="pt-PT" dirty="0" smtClean="0">
+                <a:solidFill>
+                  <a:srgbClr val="000000"/>
+                </a:solidFill>
+                <a:latin typeface="Consolas"/>
+              </a:rPr>
+              <a:t>    </a:t>
+            </a:r>
+            <a:r>
+              <a:rPr lang="pt-PT" dirty="0" smtClean="0">
+                <a:solidFill>
+                  <a:srgbClr val="000000"/>
+                </a:solidFill>
+                <a:latin typeface="Consolas"/>
+              </a:rPr>
+              <a:t>);</a:t>
+            </a:r>
+          </a:p>
+          <a:p>
+            <a:r>
+              <a:rPr lang="pt-PT" dirty="0" smtClean="0">
+                <a:solidFill>
+                  <a:srgbClr val="000000"/>
+                </a:solidFill>
+                <a:latin typeface="Consolas"/>
+              </a:rPr>
+              <a:t> </a:t>
+            </a:r>
+            <a:r>
+              <a:rPr lang="pt-PT" dirty="0" smtClean="0">
+                <a:solidFill>
+                  <a:srgbClr val="000000"/>
+                </a:solidFill>
+                <a:latin typeface="Consolas"/>
+              </a:rPr>
+              <a:t>   </a:t>
+            </a:r>
+            <a:r>
+              <a:rPr lang="pt-PT" b="1" dirty="0" err="1" smtClean="0">
+                <a:solidFill>
+                  <a:srgbClr val="0000FF"/>
+                </a:solidFill>
+                <a:latin typeface="Consolas"/>
+              </a:rPr>
+              <a:t>return</a:t>
+            </a:r>
+            <a:r>
+              <a:rPr lang="pt-PT" b="1" dirty="0" smtClean="0">
+                <a:solidFill>
+                  <a:srgbClr val="000000"/>
+                </a:solidFill>
+                <a:latin typeface="Consolas"/>
+              </a:rPr>
+              <a:t> imagem;</a:t>
+            </a:r>
+          </a:p>
+          <a:p>
+            <a:r>
+              <a:rPr lang="pt-PT" dirty="0" smtClean="0">
+                <a:solidFill>
+                  <a:srgbClr val="000000"/>
+                </a:solidFill>
+                <a:latin typeface="Consolas"/>
+              </a:rPr>
+              <a:t>  }</a:t>
+            </a:r>
+          </a:p>
+          <a:p>
+            <a:endParaRPr lang="pt-PT" dirty="0" smtClean="0">
+              <a:solidFill>
+                <a:srgbClr val="000000"/>
+              </a:solidFill>
+              <a:latin typeface="Consolas"/>
+            </a:endParaRPr>
+          </a:p>
+          <a:p>
+            <a:r>
+              <a:rPr lang="pt-PT" dirty="0" smtClean="0">
+                <a:solidFill>
+                  <a:srgbClr val="000000"/>
+                </a:solidFill>
+                <a:latin typeface="Consolas"/>
+              </a:rPr>
+              <a:t>  </a:t>
+            </a:r>
+            <a:r>
+              <a:rPr lang="pt-PT" i="1" dirty="0" smtClean="0">
+                <a:solidFill>
+                  <a:srgbClr val="0066FF"/>
+                </a:solidFill>
+                <a:latin typeface="Consolas"/>
+              </a:rPr>
+              <a:t>// Algo correu mal. O item provavelmente não existe.</a:t>
+            </a:r>
+            <a:endParaRPr lang="pt-PT" i="1" dirty="0" smtClean="0">
+              <a:solidFill>
+                <a:srgbClr val="000000"/>
+              </a:solidFill>
+              <a:latin typeface="Consolas"/>
+            </a:endParaRPr>
+          </a:p>
+          <a:p>
+            <a:r>
+              <a:rPr lang="pt-PT" dirty="0" smtClean="0">
+                <a:solidFill>
+                  <a:srgbClr val="000000"/>
+                </a:solidFill>
+                <a:latin typeface="Consolas"/>
+              </a:rPr>
+              <a:t>  </a:t>
+            </a:r>
+            <a:r>
+              <a:rPr lang="pt-PT" b="1" dirty="0" err="1" smtClean="0">
+                <a:solidFill>
+                  <a:srgbClr val="0000FF"/>
+                </a:solidFill>
+                <a:latin typeface="Consolas"/>
+              </a:rPr>
+              <a:t>return</a:t>
+            </a:r>
+            <a:r>
+              <a:rPr lang="pt-PT" b="1" dirty="0" smtClean="0">
+                <a:solidFill>
+                  <a:srgbClr val="000000"/>
+                </a:solidFill>
+                <a:latin typeface="Consolas"/>
+              </a:rPr>
+              <a:t> </a:t>
+            </a:r>
+            <a:r>
+              <a:rPr lang="pt-PT" b="1" dirty="0" err="1" smtClean="0">
+                <a:solidFill>
+                  <a:srgbClr val="585CF6"/>
+                </a:solidFill>
+                <a:latin typeface="Consolas"/>
+              </a:rPr>
+              <a:t>null</a:t>
+            </a:r>
+            <a:r>
+              <a:rPr lang="pt-PT" b="1" dirty="0" smtClean="0">
+                <a:solidFill>
+                  <a:srgbClr val="000000"/>
+                </a:solidFill>
+                <a:latin typeface="Consolas"/>
+              </a:rPr>
+              <a:t>;</a:t>
+            </a:r>
+          </a:p>
+          <a:p>
+            <a:r>
+              <a:rPr lang="pt-PT" dirty="0" smtClean="0">
+                <a:solidFill>
+                  <a:srgbClr val="000000"/>
+                </a:solidFill>
+                <a:latin typeface="Consolas"/>
+              </a:rPr>
+              <a:t>}</a:t>
+            </a:r>
+          </a:p>
+          <a:p>
+            <a:endParaRPr lang="pt-PT" dirty="0"/>
+          </a:p>
+        </p:txBody>
+      </p:sp>
+      <p:sp>
+        <p:nvSpPr>
+          <p:cNvPr id="3" name="Marcador de Posição do Texto 2"/>
+          <p:cNvSpPr>
+            <a:spLocks noGrp="1"/>
+          </p:cNvSpPr>
+          <p:nvPr>
+            <p:ph type="body" sz="quarter" idx="14"/>
+          </p:nvPr>
+        </p:nvSpPr>
+        <p:spPr/>
+        <p:txBody>
+          <a:bodyPr/>
+          <a:lstStyle/>
+          <a:p>
+            <a:r>
+              <a:rPr lang="pt-PT" dirty="0" smtClean="0"/>
+              <a:t>Exemplo: Obter dados duma base de dados </a:t>
+            </a:r>
+            <a:r>
+              <a:rPr lang="pt-PT" dirty="0" err="1" smtClean="0"/>
+              <a:t>SQLite</a:t>
+            </a:r>
+            <a:r>
+              <a:rPr lang="pt-PT" dirty="0" smtClean="0"/>
+              <a:t> (2/2).</a:t>
+            </a:r>
+            <a:endParaRPr lang="pt-PT" dirty="0" smtClean="0"/>
+          </a:p>
+        </p:txBody>
+      </p:sp>
+    </p:spTree>
+  </p:cSld>
+  <p:clrMapOvr>
+    <a:masterClrMapping/>
+  </p:clrMapOvr>
+  <p:timing>
+    <p:tnLst>
+      <p:par>
+        <p:cTn id="1" dur="indefinite" restart="never" nodeType="tmRoot"/>
+      </p:par>
+    </p:tnLst>
+  </p:timing>
+</p:sld>
+</file>
+
+<file path=ppt/slides/slide12.xml><?xml version="1.0" encoding="utf-8"?>
+<p:sld xmlns:a="http://schemas.openxmlformats.org/drawingml/2006/main" xmlns:r="http://schemas.openxmlformats.org/officeDocument/2006/relationships" xmlns:p="http://schemas.openxmlformats.org/presentationml/2006/main">
+  <p:cSld>
+    <p:spTree>
+      <p:nvGrpSpPr>
+        <p:cNvPr id="1" name=""/>
+        <p:cNvGrpSpPr/>
+        <p:nvPr/>
+      </p:nvGrpSpPr>
+      <p:grpSpPr>
+        <a:xfrm>
+          <a:off x="0" y="0"/>
+          <a:ext cx="0" cy="0"/>
+          <a:chOff x="0" y="0"/>
+          <a:chExt cx="0" cy="0"/>
+        </a:xfrm>
+      </p:grpSpPr>
+      <p:sp>
+        <p:nvSpPr>
+          <p:cNvPr id="2" name="Título 1"/>
+          <p:cNvSpPr>
+            <a:spLocks noGrp="1"/>
+          </p:cNvSpPr>
+          <p:nvPr>
+            <p:ph type="ctrTitle"/>
+          </p:nvPr>
+        </p:nvSpPr>
+        <p:spPr/>
+        <p:txBody>
+          <a:bodyPr/>
+          <a:lstStyle/>
+          <a:p>
+            <a:r>
+              <a:rPr lang="pt-PT" dirty="0" smtClean="0"/>
+              <a:t>Planos para v0.3</a:t>
+            </a:r>
+            <a:endParaRPr lang="pt-PT" dirty="0"/>
+          </a:p>
+        </p:txBody>
+      </p:sp>
+      <p:sp>
+        <p:nvSpPr>
+          <p:cNvPr id="3" name="Subtítulo 2"/>
+          <p:cNvSpPr>
+            <a:spLocks noGrp="1"/>
+          </p:cNvSpPr>
+          <p:nvPr>
+            <p:ph type="subTitle" idx="1"/>
+          </p:nvPr>
+        </p:nvSpPr>
+        <p:spPr/>
+        <p:txBody>
+          <a:bodyPr/>
+          <a:lstStyle/>
+          <a:p>
+            <a:r>
+              <a:rPr lang="pt-PT" dirty="0" smtClean="0"/>
+              <a:t>O que temos para fazer.</a:t>
+            </a:r>
+            <a:endParaRPr lang="pt-PT" dirty="0"/>
+          </a:p>
+        </p:txBody>
+      </p:sp>
+    </p:spTree>
+  </p:cSld>
+  <p:clrMapOvr>
+    <a:masterClrMapping/>
+  </p:clrMapOvr>
+  <p:timing>
+    <p:tnLst>
+      <p:par>
+        <p:cTn id="1" dur="indefinite" restart="never" nodeType="tmRoot"/>
+      </p:par>
+    </p:tnLst>
+  </p:timing>
+</p:sld>
+</file>
+
+<file path=ppt/slides/slide13.xml><?xml version="1.0" encoding="utf-8"?>
+<p:sld xmlns:a="http://schemas.openxmlformats.org/drawingml/2006/main" xmlns:r="http://schemas.openxmlformats.org/officeDocument/2006/relationships" xmlns:p="http://schemas.openxmlformats.org/presentationml/2006/main">
+  <p:cSld>
+    <p:spTree>
+      <p:nvGrpSpPr>
+        <p:cNvPr id="1" name=""/>
+        <p:cNvGrpSpPr/>
+        <p:nvPr/>
+      </p:nvGrpSpPr>
+      <p:grpSpPr>
+        <a:xfrm>
+          <a:off x="0" y="0"/>
+          <a:ext cx="0" cy="0"/>
+          <a:chOff x="0" y="0"/>
+          <a:chExt cx="0" cy="0"/>
+        </a:xfrm>
+      </p:grpSpPr>
+      <p:sp>
+        <p:nvSpPr>
+          <p:cNvPr id="2" name="Título 1"/>
+          <p:cNvSpPr>
+            <a:spLocks noGrp="1"/>
+          </p:cNvSpPr>
+          <p:nvPr>
+            <p:ph type="title"/>
+          </p:nvPr>
+        </p:nvSpPr>
+        <p:spPr/>
+        <p:txBody>
+          <a:bodyPr/>
+          <a:lstStyle/>
+          <a:p>
+            <a:r>
+              <a:rPr lang="pt-PT" dirty="0" err="1" smtClean="0"/>
+              <a:t>WebService</a:t>
+            </a:r>
+            <a:endParaRPr lang="pt-PT" dirty="0"/>
+          </a:p>
+        </p:txBody>
+      </p:sp>
+      <p:sp>
+        <p:nvSpPr>
+          <p:cNvPr id="3" name="Marcador de Posição de Conteúdo 2"/>
+          <p:cNvSpPr>
+            <a:spLocks noGrp="1"/>
+          </p:cNvSpPr>
+          <p:nvPr>
+            <p:ph idx="1"/>
+          </p:nvPr>
+        </p:nvSpPr>
+        <p:spPr/>
+        <p:txBody>
+          <a:bodyPr/>
+          <a:lstStyle/>
+          <a:p>
+            <a:r>
+              <a:rPr lang="pt-PT" dirty="0" smtClean="0"/>
+              <a:t>Autenticação e autorização de utilizadores e da </a:t>
+            </a:r>
+            <a:r>
+              <a:rPr lang="pt-PT" dirty="0" err="1" smtClean="0"/>
+              <a:t>app</a:t>
+            </a:r>
+            <a:r>
+              <a:rPr lang="pt-PT" dirty="0" smtClean="0"/>
+              <a:t>;</a:t>
+            </a:r>
+          </a:p>
+          <a:p>
+            <a:r>
+              <a:rPr lang="pt-PT" dirty="0" smtClean="0"/>
+              <a:t>Estabilizar as rotas do servidor para uma estrutura lógica;</a:t>
+            </a:r>
+          </a:p>
+          <a:p>
+            <a:r>
+              <a:rPr lang="pt-PT" dirty="0" smtClean="0"/>
+              <a:t>Implementar métodos de sincronização automática com a </a:t>
+            </a:r>
+            <a:r>
+              <a:rPr lang="pt-PT" dirty="0" err="1" smtClean="0"/>
+              <a:t>App</a:t>
+            </a:r>
+            <a:r>
+              <a:rPr lang="pt-PT" dirty="0" smtClean="0"/>
+              <a:t>.</a:t>
+            </a:r>
+            <a:endParaRPr lang="pt-PT" dirty="0" smtClean="0"/>
+          </a:p>
+          <a:p>
+            <a:endParaRPr lang="pt-PT" dirty="0"/>
+          </a:p>
+        </p:txBody>
+      </p:sp>
+    </p:spTree>
+  </p:cSld>
+  <p:clrMapOvr>
+    <a:masterClrMapping/>
+  </p:clrMapOvr>
+  <p:timing>
+    <p:tnLst>
+      <p:par>
+        <p:cTn id="1" dur="indefinite" restart="never" nodeType="tmRoot">
+          <p:childTnLst>
+            <p:seq concurrent="1" nextAc="seek">
+              <p:cTn id="2" dur="indefinite" nodeType="mainSeq">
+                <p:childTnLst>
+                  <p:par>
+                    <p:cTn id="3" fill="hold">
+                      <p:stCondLst>
+                        <p:cond delay="indefinite"/>
+                      </p:stCondLst>
+                      <p:childTnLst>
+                        <p:par>
+                          <p:cTn id="4" fill="hold">
+                            <p:stCondLst>
+                              <p:cond delay="0"/>
+                            </p:stCondLst>
+                            <p:childTnLst>
+                              <p:par>
+                                <p:cTn id="5" presetID="1" presetClass="entr" presetSubtype="0" fill="hold" grpId="0" nodeType="clickEffect">
+                                  <p:stCondLst>
+                                    <p:cond delay="0"/>
+                                  </p:stCondLst>
+                                  <p:childTnLst>
+                                    <p:set>
+                                      <p:cBhvr>
+                                        <p:cTn id="6" dur="1" fill="hold">
+                                          <p:stCondLst>
+                                            <p:cond delay="0"/>
+                                          </p:stCondLst>
+                                        </p:cTn>
+                                        <p:tgtEl>
+                                          <p:spTgt spid="3">
+                                            <p:txEl>
+                                              <p:pRg st="0" end="0"/>
+                                            </p:txEl>
+                                          </p:spTgt>
+                                        </p:tgtEl>
+                                        <p:attrNameLst>
+                                          <p:attrName>style.visibility</p:attrName>
+                                        </p:attrNameLst>
+                                      </p:cBhvr>
+                                      <p:to>
+                                        <p:strVal val="visible"/>
+                                      </p:to>
+                                    </p:set>
+                                  </p:childTnLst>
+                                </p:cTn>
+                              </p:par>
+                            </p:childTnLst>
+                          </p:cTn>
+                        </p:par>
+                      </p:childTnLst>
+                    </p:cTn>
+                  </p:par>
+                  <p:par>
+                    <p:cTn id="7" fill="hold">
+                      <p:stCondLst>
+                        <p:cond delay="indefinite"/>
+                      </p:stCondLst>
+                      <p:childTnLst>
+                        <p:par>
+                          <p:cTn id="8" fill="hold">
+                            <p:stCondLst>
+                              <p:cond delay="0"/>
+                            </p:stCondLst>
+                            <p:childTnLst>
+                              <p:par>
+                                <p:cTn id="9" presetID="1" presetClass="entr" presetSubtype="0" fill="hold" grpId="0" nodeType="clickEffect">
+                                  <p:stCondLst>
+                                    <p:cond delay="0"/>
+                                  </p:stCondLst>
+                                  <p:childTnLst>
+                                    <p:set>
+                                      <p:cBhvr>
+                                        <p:cTn id="10" dur="1" fill="hold">
+                                          <p:stCondLst>
+                                            <p:cond delay="0"/>
+                                          </p:stCondLst>
+                                        </p:cTn>
+                                        <p:tgtEl>
+                                          <p:spTgt spid="3">
+                                            <p:txEl>
+                                              <p:pRg st="1" end="1"/>
+                                            </p:txEl>
+                                          </p:spTgt>
+                                        </p:tgtEl>
+                                        <p:attrNameLst>
+                                          <p:attrName>style.visibility</p:attrName>
+                                        </p:attrNameLst>
+                                      </p:cBhvr>
+                                      <p:to>
+                                        <p:strVal val="visible"/>
+                                      </p:to>
+                                    </p:set>
+                                  </p:childTnLst>
+                                </p:cTn>
+                              </p:par>
+                            </p:childTnLst>
+                          </p:cTn>
+                        </p:par>
+                      </p:childTnLst>
+                    </p:cTn>
+                  </p:par>
+                  <p:par>
+                    <p:cTn id="11" fill="hold">
+                      <p:stCondLst>
+                        <p:cond delay="indefinite"/>
+                      </p:stCondLst>
+                      <p:childTnLst>
+                        <p:par>
+                          <p:cTn id="12" fill="hold">
+                            <p:stCondLst>
+                              <p:cond delay="0"/>
+                            </p:stCondLst>
+                            <p:childTnLst>
+                              <p:par>
+                                <p:cTn id="13" presetID="1" presetClass="entr" presetSubtype="0" fill="hold" grpId="0" nodeType="clickEffect">
+                                  <p:stCondLst>
+                                    <p:cond delay="0"/>
+                                  </p:stCondLst>
+                                  <p:childTnLst>
+                                    <p:set>
+                                      <p:cBhvr>
+                                        <p:cTn id="14" dur="1" fill="hold">
+                                          <p:stCondLst>
+                                            <p:cond delay="0"/>
+                                          </p:stCondLst>
+                                        </p:cTn>
+                                        <p:tgtEl>
+                                          <p:spTgt spid="3">
+                                            <p:txEl>
+                                              <p:pRg st="2" end="2"/>
+                                            </p:txEl>
+                                          </p:spTgt>
+                                        </p:tgtEl>
+                                        <p:attrNameLst>
+                                          <p:attrName>style.visibility</p:attrName>
+                                        </p:attrNameLst>
+                                      </p:cBhvr>
+                                      <p:to>
+                                        <p:strVal val="visible"/>
+                                      </p:to>
+                                    </p:set>
+                                  </p:childTnLst>
+                                </p:cTn>
+                              </p:par>
+                            </p:childTnLst>
+                          </p:cTn>
+                        </p:par>
+                      </p:childTnLst>
+                    </p:cTn>
+                  </p:par>
+                </p:childTnLst>
+              </p:cTn>
+              <p:prevCondLst>
+                <p:cond evt="onPrev" delay="0">
+                  <p:tgtEl>
+                    <p:sldTgt/>
+                  </p:tgtEl>
+                </p:cond>
+              </p:prevCondLst>
+              <p:nextCondLst>
+                <p:cond evt="onNext" delay="0">
+                  <p:tgtEl>
+                    <p:sldTgt/>
+                  </p:tgtEl>
+                </p:cond>
+              </p:nextCondLst>
+            </p:seq>
+          </p:childTnLst>
+        </p:cTn>
+      </p:par>
+    </p:tnLst>
+    <p:bldLst>
+      <p:bldP spid="3" grpId="0" build="p"/>
+    </p:bldLst>
+  </p:timing>
+</p:sld>
+</file>
+
+<file path=ppt/slides/slide14.xml><?xml version="1.0" encoding="utf-8"?>
+<p:sld xmlns:a="http://schemas.openxmlformats.org/drawingml/2006/main" xmlns:r="http://schemas.openxmlformats.org/officeDocument/2006/relationships" xmlns:p="http://schemas.openxmlformats.org/presentationml/2006/main">
+  <p:cSld>
+    <p:spTree>
+      <p:nvGrpSpPr>
+        <p:cNvPr id="1" name=""/>
+        <p:cNvGrpSpPr/>
+        <p:nvPr/>
+      </p:nvGrpSpPr>
+      <p:grpSpPr>
+        <a:xfrm>
+          <a:off x="0" y="0"/>
+          <a:ext cx="0" cy="0"/>
+          <a:chOff x="0" y="0"/>
+          <a:chExt cx="0" cy="0"/>
+        </a:xfrm>
+      </p:grpSpPr>
+      <p:sp>
+        <p:nvSpPr>
+          <p:cNvPr id="2" name="Título 1"/>
+          <p:cNvSpPr>
+            <a:spLocks noGrp="1"/>
+          </p:cNvSpPr>
+          <p:nvPr>
+            <p:ph type="title"/>
+          </p:nvPr>
+        </p:nvSpPr>
+        <p:spPr/>
+        <p:txBody>
+          <a:bodyPr/>
+          <a:lstStyle/>
+          <a:p>
+            <a:r>
+              <a:rPr lang="pt-PT" dirty="0" err="1" smtClean="0"/>
+              <a:t>Back-Office</a:t>
+            </a:r>
+            <a:endParaRPr lang="pt-PT" dirty="0"/>
+          </a:p>
+        </p:txBody>
+      </p:sp>
+      <p:sp>
+        <p:nvSpPr>
+          <p:cNvPr id="3" name="Marcador de Posição de Conteúdo 2"/>
+          <p:cNvSpPr>
+            <a:spLocks noGrp="1"/>
+          </p:cNvSpPr>
+          <p:nvPr>
+            <p:ph idx="1"/>
+          </p:nvPr>
+        </p:nvSpPr>
+        <p:spPr/>
+        <p:txBody>
+          <a:bodyPr/>
+          <a:lstStyle/>
+          <a:p>
+            <a:r>
+              <a:rPr lang="pt-PT" dirty="0" smtClean="0"/>
+              <a:t>Criar formulários de suporte à criação (e geração) dos vários tipos de testes;</a:t>
+            </a:r>
+          </a:p>
+          <a:p>
+            <a:r>
+              <a:rPr lang="pt-PT" dirty="0" smtClean="0"/>
+              <a:t>(?) Criar formulários de suporte à correção de testes;</a:t>
+            </a:r>
+          </a:p>
+          <a:p>
+            <a:r>
+              <a:rPr lang="pt-PT" dirty="0" smtClean="0"/>
+              <a:t>Experimentar formas de gravar áudio e edição de imagens diretamente no browser.</a:t>
+            </a:r>
+          </a:p>
+          <a:p>
+            <a:endParaRPr lang="pt-PT" dirty="0"/>
+          </a:p>
+        </p:txBody>
+      </p:sp>
+    </p:spTree>
+  </p:cSld>
+  <p:clrMapOvr>
+    <a:masterClrMapping/>
+  </p:clrMapOvr>
+  <p:timing>
+    <p:tnLst>
+      <p:par>
+        <p:cTn id="1" dur="indefinite" restart="never" nodeType="tmRoot">
+          <p:childTnLst>
+            <p:seq concurrent="1" nextAc="seek">
+              <p:cTn id="2" dur="indefinite" nodeType="mainSeq">
+                <p:childTnLst>
+                  <p:par>
+                    <p:cTn id="3" fill="hold">
+                      <p:stCondLst>
+                        <p:cond delay="indefinite"/>
+                      </p:stCondLst>
+                      <p:childTnLst>
+                        <p:par>
+                          <p:cTn id="4" fill="hold">
+                            <p:stCondLst>
+                              <p:cond delay="0"/>
+                            </p:stCondLst>
+                            <p:childTnLst>
+                              <p:par>
+                                <p:cTn id="5" presetID="1" presetClass="entr" presetSubtype="0" fill="hold" grpId="0" nodeType="clickEffect">
+                                  <p:stCondLst>
+                                    <p:cond delay="0"/>
+                                  </p:stCondLst>
+                                  <p:childTnLst>
+                                    <p:set>
+                                      <p:cBhvr>
+                                        <p:cTn id="6" dur="1" fill="hold">
+                                          <p:stCondLst>
+                                            <p:cond delay="0"/>
+                                          </p:stCondLst>
+                                        </p:cTn>
+                                        <p:tgtEl>
+                                          <p:spTgt spid="3">
+                                            <p:txEl>
+                                              <p:pRg st="0" end="0"/>
+                                            </p:txEl>
+                                          </p:spTgt>
+                                        </p:tgtEl>
+                                        <p:attrNameLst>
+                                          <p:attrName>style.visibility</p:attrName>
+                                        </p:attrNameLst>
+                                      </p:cBhvr>
+                                      <p:to>
+                                        <p:strVal val="visible"/>
+                                      </p:to>
+                                    </p:set>
+                                  </p:childTnLst>
+                                </p:cTn>
+                              </p:par>
+                            </p:childTnLst>
+                          </p:cTn>
+                        </p:par>
+                      </p:childTnLst>
+                    </p:cTn>
+                  </p:par>
+                  <p:par>
+                    <p:cTn id="7" fill="hold">
+                      <p:stCondLst>
+                        <p:cond delay="indefinite"/>
+                      </p:stCondLst>
+                      <p:childTnLst>
+                        <p:par>
+                          <p:cTn id="8" fill="hold">
+                            <p:stCondLst>
+                              <p:cond delay="0"/>
+                            </p:stCondLst>
+                            <p:childTnLst>
+                              <p:par>
+                                <p:cTn id="9" presetID="1" presetClass="entr" presetSubtype="0" fill="hold" grpId="0" nodeType="clickEffect">
+                                  <p:stCondLst>
+                                    <p:cond delay="0"/>
+                                  </p:stCondLst>
+                                  <p:childTnLst>
+                                    <p:set>
+                                      <p:cBhvr>
+                                        <p:cTn id="10" dur="1" fill="hold">
+                                          <p:stCondLst>
+                                            <p:cond delay="0"/>
+                                          </p:stCondLst>
+                                        </p:cTn>
+                                        <p:tgtEl>
+                                          <p:spTgt spid="3">
+                                            <p:txEl>
+                                              <p:pRg st="1" end="1"/>
+                                            </p:txEl>
+                                          </p:spTgt>
+                                        </p:tgtEl>
+                                        <p:attrNameLst>
+                                          <p:attrName>style.visibility</p:attrName>
+                                        </p:attrNameLst>
+                                      </p:cBhvr>
+                                      <p:to>
+                                        <p:strVal val="visible"/>
+                                      </p:to>
+                                    </p:set>
+                                  </p:childTnLst>
+                                </p:cTn>
+                              </p:par>
+                            </p:childTnLst>
+                          </p:cTn>
+                        </p:par>
+                      </p:childTnLst>
+                    </p:cTn>
+                  </p:par>
+                  <p:par>
+                    <p:cTn id="11" fill="hold">
+                      <p:stCondLst>
+                        <p:cond delay="indefinite"/>
+                      </p:stCondLst>
+                      <p:childTnLst>
+                        <p:par>
+                          <p:cTn id="12" fill="hold">
+                            <p:stCondLst>
+                              <p:cond delay="0"/>
+                            </p:stCondLst>
+                            <p:childTnLst>
+                              <p:par>
+                                <p:cTn id="13" presetID="1" presetClass="entr" presetSubtype="0" fill="hold" grpId="0" nodeType="clickEffect">
+                                  <p:stCondLst>
+                                    <p:cond delay="0"/>
+                                  </p:stCondLst>
+                                  <p:childTnLst>
+                                    <p:set>
+                                      <p:cBhvr>
+                                        <p:cTn id="14" dur="1" fill="hold">
+                                          <p:stCondLst>
+                                            <p:cond delay="0"/>
+                                          </p:stCondLst>
+                                        </p:cTn>
+                                        <p:tgtEl>
+                                          <p:spTgt spid="3">
+                                            <p:txEl>
+                                              <p:pRg st="2" end="2"/>
+                                            </p:txEl>
+                                          </p:spTgt>
+                                        </p:tgtEl>
+                                        <p:attrNameLst>
+                                          <p:attrName>style.visibility</p:attrName>
+                                        </p:attrNameLst>
+                                      </p:cBhvr>
+                                      <p:to>
+                                        <p:strVal val="visible"/>
+                                      </p:to>
+                                    </p:set>
+                                  </p:childTnLst>
+                                </p:cTn>
+                              </p:par>
+                            </p:childTnLst>
+                          </p:cTn>
+                        </p:par>
+                      </p:childTnLst>
+                    </p:cTn>
+                  </p:par>
+                </p:childTnLst>
+              </p:cTn>
+              <p:prevCondLst>
+                <p:cond evt="onPrev" delay="0">
+                  <p:tgtEl>
+                    <p:sldTgt/>
+                  </p:tgtEl>
+                </p:cond>
+              </p:prevCondLst>
+              <p:nextCondLst>
+                <p:cond evt="onNext" delay="0">
+                  <p:tgtEl>
+                    <p:sldTgt/>
+                  </p:tgtEl>
+                </p:cond>
+              </p:nextCondLst>
+            </p:seq>
+          </p:childTnLst>
+        </p:cTn>
+      </p:par>
+    </p:tnLst>
+    <p:bldLst>
+      <p:bldP spid="3" grpId="0" build="p"/>
+    </p:bldLst>
+  </p:timing>
+</p:sld>
+</file>
+
+<file path=ppt/slides/slide15.xml><?xml version="1.0" encoding="utf-8"?>
+<p:sld xmlns:a="http://schemas.openxmlformats.org/drawingml/2006/main" xmlns:r="http://schemas.openxmlformats.org/officeDocument/2006/relationships" xmlns:p="http://schemas.openxmlformats.org/presentationml/2006/main">
+  <p:cSld>
+    <p:spTree>
+      <p:nvGrpSpPr>
+        <p:cNvPr id="1" name=""/>
+        <p:cNvGrpSpPr/>
+        <p:nvPr/>
+      </p:nvGrpSpPr>
+      <p:grpSpPr>
+        <a:xfrm>
+          <a:off x="0" y="0"/>
+          <a:ext cx="0" cy="0"/>
+          <a:chOff x="0" y="0"/>
+          <a:chExt cx="0" cy="0"/>
+        </a:xfrm>
+      </p:grpSpPr>
+      <p:sp>
+        <p:nvSpPr>
+          <p:cNvPr id="2" name="Título 1"/>
+          <p:cNvSpPr>
+            <a:spLocks noGrp="1"/>
+          </p:cNvSpPr>
+          <p:nvPr>
+            <p:ph type="title"/>
+          </p:nvPr>
+        </p:nvSpPr>
+        <p:spPr/>
+        <p:txBody>
+          <a:bodyPr/>
+          <a:lstStyle/>
+          <a:p>
+            <a:r>
+              <a:rPr lang="pt-PT" dirty="0" err="1" smtClean="0"/>
+              <a:t>App</a:t>
+            </a:r>
+            <a:endParaRPr lang="pt-PT" dirty="0"/>
+          </a:p>
+        </p:txBody>
+      </p:sp>
+      <p:sp>
+        <p:nvSpPr>
+          <p:cNvPr id="3" name="Marcador de Posição de Conteúdo 2"/>
+          <p:cNvSpPr>
+            <a:spLocks noGrp="1"/>
+          </p:cNvSpPr>
+          <p:nvPr>
+            <p:ph idx="1"/>
+          </p:nvPr>
+        </p:nvSpPr>
+        <p:spPr/>
+        <p:txBody>
+          <a:bodyPr>
+            <a:normAutofit/>
+          </a:bodyPr>
+          <a:lstStyle/>
+          <a:p>
+            <a:r>
+              <a:rPr lang="pt-PT" dirty="0" smtClean="0"/>
+              <a:t>Obter um ficheiro de áudio do servidor, e reproduzi-lo;</a:t>
+            </a:r>
+          </a:p>
+          <a:p>
+            <a:r>
+              <a:rPr lang="pt-PT" dirty="0" smtClean="0"/>
+              <a:t>Guardar esse áudio na base de dados </a:t>
+            </a:r>
+            <a:r>
+              <a:rPr lang="pt-PT" dirty="0" err="1" smtClean="0"/>
+              <a:t>SQLite</a:t>
+            </a:r>
+            <a:r>
+              <a:rPr lang="pt-PT" dirty="0" smtClean="0"/>
+              <a:t>;</a:t>
+            </a:r>
+          </a:p>
+          <a:p>
+            <a:r>
+              <a:rPr lang="pt-PT" dirty="0" smtClean="0"/>
+              <a:t>Obter um ficheiro de áudio da base de dados </a:t>
+            </a:r>
+            <a:r>
+              <a:rPr lang="pt-PT" dirty="0" err="1" smtClean="0"/>
+              <a:t>SQLite</a:t>
+            </a:r>
+            <a:r>
+              <a:rPr lang="pt-PT" dirty="0" smtClean="0"/>
+              <a:t> e reproduzi-lo;</a:t>
+            </a:r>
+          </a:p>
+          <a:p>
+            <a:r>
+              <a:rPr lang="pt-PT" dirty="0" smtClean="0"/>
+              <a:t>Implementar o método de sincronização.</a:t>
+            </a:r>
+            <a:endParaRPr lang="pt-PT" dirty="0"/>
+          </a:p>
+        </p:txBody>
+      </p:sp>
+    </p:spTree>
+  </p:cSld>
+  <p:clrMapOvr>
+    <a:masterClrMapping/>
+  </p:clrMapOvr>
+  <p:timing>
+    <p:tnLst>
+      <p:par>
+        <p:cTn id="1" dur="indefinite" restart="never" nodeType="tmRoot">
+          <p:childTnLst>
+            <p:seq concurrent="1" nextAc="seek">
+              <p:cTn id="2" dur="indefinite" nodeType="mainSeq">
+                <p:childTnLst>
+                  <p:par>
+                    <p:cTn id="3" fill="hold">
+                      <p:stCondLst>
+                        <p:cond delay="indefinite"/>
+                      </p:stCondLst>
+                      <p:childTnLst>
+                        <p:par>
+                          <p:cTn id="4" fill="hold">
+                            <p:stCondLst>
+                              <p:cond delay="0"/>
+                            </p:stCondLst>
+                            <p:childTnLst>
+                              <p:par>
+                                <p:cTn id="5" presetID="1" presetClass="entr" presetSubtype="0" fill="hold" grpId="0" nodeType="clickEffect">
+                                  <p:stCondLst>
+                                    <p:cond delay="0"/>
+                                  </p:stCondLst>
+                                  <p:childTnLst>
+                                    <p:set>
+                                      <p:cBhvr>
+                                        <p:cTn id="6" dur="1" fill="hold">
+                                          <p:stCondLst>
+                                            <p:cond delay="0"/>
+                                          </p:stCondLst>
+                                        </p:cTn>
+                                        <p:tgtEl>
+                                          <p:spTgt spid="3">
+                                            <p:txEl>
+                                              <p:pRg st="0" end="0"/>
+                                            </p:txEl>
+                                          </p:spTgt>
+                                        </p:tgtEl>
+                                        <p:attrNameLst>
+                                          <p:attrName>style.visibility</p:attrName>
+                                        </p:attrNameLst>
+                                      </p:cBhvr>
+                                      <p:to>
+                                        <p:strVal val="visible"/>
+                                      </p:to>
+                                    </p:set>
+                                  </p:childTnLst>
+                                </p:cTn>
+                              </p:par>
+                            </p:childTnLst>
+                          </p:cTn>
+                        </p:par>
+                      </p:childTnLst>
+                    </p:cTn>
+                  </p:par>
+                  <p:par>
+                    <p:cTn id="7" fill="hold">
+                      <p:stCondLst>
+                        <p:cond delay="indefinite"/>
+                      </p:stCondLst>
+                      <p:childTnLst>
+                        <p:par>
+                          <p:cTn id="8" fill="hold">
+                            <p:stCondLst>
+                              <p:cond delay="0"/>
+                            </p:stCondLst>
+                            <p:childTnLst>
+                              <p:par>
+                                <p:cTn id="9" presetID="1" presetClass="entr" presetSubtype="0" fill="hold" grpId="0" nodeType="clickEffect">
+                                  <p:stCondLst>
+                                    <p:cond delay="0"/>
+                                  </p:stCondLst>
+                                  <p:childTnLst>
+                                    <p:set>
+                                      <p:cBhvr>
+                                        <p:cTn id="10" dur="1" fill="hold">
+                                          <p:stCondLst>
+                                            <p:cond delay="0"/>
+                                          </p:stCondLst>
+                                        </p:cTn>
+                                        <p:tgtEl>
+                                          <p:spTgt spid="3">
+                                            <p:txEl>
+                                              <p:pRg st="1" end="1"/>
+                                            </p:txEl>
+                                          </p:spTgt>
+                                        </p:tgtEl>
+                                        <p:attrNameLst>
+                                          <p:attrName>style.visibility</p:attrName>
+                                        </p:attrNameLst>
+                                      </p:cBhvr>
+                                      <p:to>
+                                        <p:strVal val="visible"/>
+                                      </p:to>
+                                    </p:set>
+                                  </p:childTnLst>
+                                </p:cTn>
+                              </p:par>
+                            </p:childTnLst>
+                          </p:cTn>
+                        </p:par>
+                      </p:childTnLst>
+                    </p:cTn>
+                  </p:par>
+                  <p:par>
+                    <p:cTn id="11" fill="hold">
+                      <p:stCondLst>
+                        <p:cond delay="indefinite"/>
+                      </p:stCondLst>
+                      <p:childTnLst>
+                        <p:par>
+                          <p:cTn id="12" fill="hold">
+                            <p:stCondLst>
+                              <p:cond delay="0"/>
+                            </p:stCondLst>
+                            <p:childTnLst>
+                              <p:par>
+                                <p:cTn id="13" presetID="1" presetClass="entr" presetSubtype="0" fill="hold" grpId="0" nodeType="clickEffect">
+                                  <p:stCondLst>
+                                    <p:cond delay="0"/>
+                                  </p:stCondLst>
+                                  <p:childTnLst>
+                                    <p:set>
+                                      <p:cBhvr>
+                                        <p:cTn id="14" dur="1" fill="hold">
+                                          <p:stCondLst>
+                                            <p:cond delay="0"/>
+                                          </p:stCondLst>
+                                        </p:cTn>
+                                        <p:tgtEl>
+                                          <p:spTgt spid="3">
+                                            <p:txEl>
+                                              <p:pRg st="2" end="2"/>
+                                            </p:txEl>
+                                          </p:spTgt>
+                                        </p:tgtEl>
+                                        <p:attrNameLst>
+                                          <p:attrName>style.visibility</p:attrName>
+                                        </p:attrNameLst>
+                                      </p:cBhvr>
+                                      <p:to>
+                                        <p:strVal val="visible"/>
+                                      </p:to>
+                                    </p:set>
+                                  </p:childTnLst>
+                                </p:cTn>
+                              </p:par>
+                            </p:childTnLst>
+                          </p:cTn>
+                        </p:par>
+                      </p:childTnLst>
+                    </p:cTn>
+                  </p:par>
+                  <p:par>
+                    <p:cTn id="15" fill="hold">
+                      <p:stCondLst>
+                        <p:cond delay="indefinite"/>
+                      </p:stCondLst>
+                      <p:childTnLst>
+                        <p:par>
+                          <p:cTn id="16" fill="hold">
+                            <p:stCondLst>
+                              <p:cond delay="0"/>
+                            </p:stCondLst>
+                            <p:childTnLst>
+                              <p:par>
+                                <p:cTn id="17" presetID="1" presetClass="entr" presetSubtype="0" fill="hold" grpId="0" nodeType="clickEffect">
+                                  <p:stCondLst>
+                                    <p:cond delay="0"/>
+                                  </p:stCondLst>
+                                  <p:childTnLst>
+                                    <p:set>
+                                      <p:cBhvr>
+                                        <p:cTn id="18" dur="1" fill="hold">
+                                          <p:stCondLst>
+                                            <p:cond delay="0"/>
+                                          </p:stCondLst>
+                                        </p:cTn>
+                                        <p:tgtEl>
+                                          <p:spTgt spid="3">
+                                            <p:txEl>
+                                              <p:pRg st="3" end="3"/>
+                                            </p:txEl>
+                                          </p:spTgt>
+                                        </p:tgtEl>
+                                        <p:attrNameLst>
+                                          <p:attrName>style.visibility</p:attrName>
+                                        </p:attrNameLst>
+                                      </p:cBhvr>
+                                      <p:to>
+                                        <p:strVal val="visible"/>
+                                      </p:to>
+                                    </p:set>
+                                  </p:childTnLst>
+                                </p:cTn>
+                              </p:par>
+                            </p:childTnLst>
+                          </p:cTn>
+                        </p:par>
+                      </p:childTnLst>
+                    </p:cTn>
+                  </p:par>
+                </p:childTnLst>
+              </p:cTn>
+              <p:prevCondLst>
+                <p:cond evt="onPrev" delay="0">
+                  <p:tgtEl>
+                    <p:sldTgt/>
+                  </p:tgtEl>
+                </p:cond>
+              </p:prevCondLst>
+              <p:nextCondLst>
+                <p:cond evt="onNext" delay="0">
+                  <p:tgtEl>
+                    <p:sldTgt/>
+                  </p:tgtEl>
+                </p:cond>
+              </p:nextCondLst>
+            </p:seq>
+          </p:childTnLst>
+        </p:cTn>
+      </p:par>
+    </p:tnLst>
+    <p:bldLst>
+      <p:bldP spid="3" grpId="0" build="p"/>
+    </p:bldLst>
   </p:timing>
 </p:sld>
 </file>
@@ -5935,11 +8462,7 @@
           <a:p>
             <a:r>
               <a:rPr lang="pt-PT" dirty="0" smtClean="0"/>
-              <a:t> </a:t>
-            </a:r>
-            <a:r>
-              <a:rPr lang="pt-PT" dirty="0" smtClean="0"/>
-              <a:t>Demonstrações de </a:t>
+              <a:t> Demonstrações de </a:t>
             </a:r>
             <a:r>
               <a:rPr lang="pt-PT" dirty="0" err="1" smtClean="0"/>
@@ -6214,7 +8737,19 @@
           <a:p>
             <a:r>
               <a:rPr lang="pt-PT" dirty="0" smtClean="0"/>
-              <a:t>O que é que já está feito. O que ficou por fazer.</a:t>
+              <a:t>O que </a:t>
+            </a:r>
+            <a:r>
+              <a:rPr lang="pt-PT" dirty="0" smtClean="0"/>
+              <a:t>já </a:t>
+            </a:r>
+            <a:r>
+              <a:rPr lang="pt-PT" dirty="0" smtClean="0"/>
+              <a:t>está </a:t>
+            </a:r>
+            <a:r>
+              <a:rPr lang="pt-PT" dirty="0" smtClean="0"/>
+              <a:t>feito.</a:t>
             </a:r>
             <a:endParaRPr lang="pt-PT" dirty="0"/>
           </a:p>
@@ -6259,7 +8794,7 @@
             <a:spLocks noGrp="1"/>
           </p:cNvSpPr>
           <p:nvPr>
-            <p:ph type="ctrTitle"/>
+            <p:ph type="title"/>
           </p:nvPr>
         </p:nvSpPr>
         <p:spPr/>
@@ -6269,6 +8804,520 @@
           <a:p>
             <a:r>
               <a:rPr lang="pt-PT" dirty="0" err="1" smtClean="0"/>
+              <a:t>WebService</a:t>
+            </a:r>
+            <a:endParaRPr lang="pt-PT" dirty="0"/>
+          </a:p>
+        </p:txBody>
+      </p:sp>
+      <p:sp>
+        <p:nvSpPr>
+          <p:cNvPr id="3" name="Marcador de Posição de Conteúdo 2"/>
+          <p:cNvSpPr>
+            <a:spLocks noGrp="1"/>
+          </p:cNvSpPr>
+          <p:nvPr>
+            <p:ph idx="1"/>
+          </p:nvPr>
+        </p:nvSpPr>
+        <p:spPr/>
+        <p:txBody>
+          <a:bodyPr/>
+          <a:lstStyle/>
+          <a:p>
+            <a:r>
+              <a:rPr lang="pt-PT" dirty="0" smtClean="0"/>
+              <a:t>Boa parte dos pedidos para a v0.2 já foram feitos na v0.1 (GET, POST</a:t>
+            </a:r>
+            <a:r>
+              <a:rPr lang="pt-PT" dirty="0" smtClean="0"/>
+              <a:t>);</a:t>
+            </a:r>
+            <a:endParaRPr lang="pt-PT" dirty="0" smtClean="0"/>
+          </a:p>
+          <a:p>
+            <a:r>
+              <a:rPr lang="pt-PT" dirty="0" smtClean="0"/>
+              <a:t>Foram implementados métodos que recebem e enviam dados binários;</a:t>
+            </a:r>
+          </a:p>
+          <a:p>
+            <a:r>
+              <a:rPr lang="pt-PT" dirty="0" smtClean="0"/>
+              <a:t>Testaram-se alguns </a:t>
+            </a:r>
+            <a:r>
+              <a:rPr lang="pt-PT" dirty="0" smtClean="0"/>
+              <a:t>formulários para </a:t>
+            </a:r>
+            <a:r>
+              <a:rPr lang="pt-PT" dirty="0" smtClean="0"/>
+              <a:t>inserção de conteúdos na BD.</a:t>
+            </a:r>
+          </a:p>
+        </p:txBody>
+      </p:sp>
+    </p:spTree>
+  </p:cSld>
+  <p:clrMapOvr>
+    <a:masterClrMapping/>
+  </p:clrMapOvr>
+  <p:timing>
+    <p:tnLst>
+      <p:par>
+        <p:cTn id="1" dur="indefinite" restart="never" nodeType="tmRoot">
+          <p:childTnLst>
+            <p:seq concurrent="1" nextAc="seek">
+              <p:cTn id="2" dur="indefinite" nodeType="mainSeq">
+                <p:childTnLst>
+                  <p:par>
+                    <p:cTn id="3" fill="hold">
+                      <p:stCondLst>
+                        <p:cond delay="indefinite"/>
+                      </p:stCondLst>
+                      <p:childTnLst>
+                        <p:par>
+                          <p:cTn id="4" fill="hold">
+                            <p:stCondLst>
+                              <p:cond delay="0"/>
+                            </p:stCondLst>
+                            <p:childTnLst>
+                              <p:par>
+                                <p:cTn id="5" presetID="1" presetClass="entr" presetSubtype="0" fill="hold" grpId="0" nodeType="clickEffect">
+                                  <p:stCondLst>
+                                    <p:cond delay="0"/>
+                                  </p:stCondLst>
+                                  <p:childTnLst>
+                                    <p:set>
+                                      <p:cBhvr>
+                                        <p:cTn id="6" dur="1" fill="hold">
+                                          <p:stCondLst>
+                                            <p:cond delay="0"/>
+                                          </p:stCondLst>
+                                        </p:cTn>
+                                        <p:tgtEl>
+                                          <p:spTgt spid="3">
+                                            <p:txEl>
+                                              <p:pRg st="0" end="0"/>
+                                            </p:txEl>
+                                          </p:spTgt>
+                                        </p:tgtEl>
+                                        <p:attrNameLst>
+                                          <p:attrName>style.visibility</p:attrName>
+                                        </p:attrNameLst>
+                                      </p:cBhvr>
+                                      <p:to>
+                                        <p:strVal val="visible"/>
+                                      </p:to>
+                                    </p:set>
+                                  </p:childTnLst>
+                                </p:cTn>
+                              </p:par>
+                            </p:childTnLst>
+                          </p:cTn>
+                        </p:par>
+                      </p:childTnLst>
+                    </p:cTn>
+                  </p:par>
+                  <p:par>
+                    <p:cTn id="7" fill="hold">
+                      <p:stCondLst>
+                        <p:cond delay="indefinite"/>
+                      </p:stCondLst>
+                      <p:childTnLst>
+                        <p:par>
+                          <p:cTn id="8" fill="hold">
+                            <p:stCondLst>
+                              <p:cond delay="0"/>
+                            </p:stCondLst>
+                            <p:childTnLst>
+                              <p:par>
+                                <p:cTn id="9" presetID="1" presetClass="entr" presetSubtype="0" fill="hold" grpId="0" nodeType="clickEffect">
+                                  <p:stCondLst>
+                                    <p:cond delay="0"/>
+                                  </p:stCondLst>
+                                  <p:childTnLst>
+                                    <p:set>
+                                      <p:cBhvr>
+                                        <p:cTn id="10" dur="1" fill="hold">
+                                          <p:stCondLst>
+                                            <p:cond delay="0"/>
+                                          </p:stCondLst>
+                                        </p:cTn>
+                                        <p:tgtEl>
+                                          <p:spTgt spid="3">
+                                            <p:txEl>
+                                              <p:pRg st="1" end="1"/>
+                                            </p:txEl>
+                                          </p:spTgt>
+                                        </p:tgtEl>
+                                        <p:attrNameLst>
+                                          <p:attrName>style.visibility</p:attrName>
+                                        </p:attrNameLst>
+                                      </p:cBhvr>
+                                      <p:to>
+                                        <p:strVal val="visible"/>
+                                      </p:to>
+                                    </p:set>
+                                  </p:childTnLst>
+                                </p:cTn>
+                              </p:par>
+                            </p:childTnLst>
+                          </p:cTn>
+                        </p:par>
+                      </p:childTnLst>
+                    </p:cTn>
+                  </p:par>
+                  <p:par>
+                    <p:cTn id="11" fill="hold">
+                      <p:stCondLst>
+                        <p:cond delay="indefinite"/>
+                      </p:stCondLst>
+                      <p:childTnLst>
+                        <p:par>
+                          <p:cTn id="12" fill="hold">
+                            <p:stCondLst>
+                              <p:cond delay="0"/>
+                            </p:stCondLst>
+                            <p:childTnLst>
+                              <p:par>
+                                <p:cTn id="13" presetID="1" presetClass="entr" presetSubtype="0" fill="hold" grpId="0" nodeType="clickEffect">
+                                  <p:stCondLst>
+                                    <p:cond delay="0"/>
+                                  </p:stCondLst>
+                                  <p:childTnLst>
+                                    <p:set>
+                                      <p:cBhvr>
+                                        <p:cTn id="14" dur="1" fill="hold">
+                                          <p:stCondLst>
+                                            <p:cond delay="0"/>
+                                          </p:stCondLst>
+                                        </p:cTn>
+                                        <p:tgtEl>
+                                          <p:spTgt spid="3">
+                                            <p:txEl>
+                                              <p:pRg st="2" end="2"/>
+                                            </p:txEl>
+                                          </p:spTgt>
+                                        </p:tgtEl>
+                                        <p:attrNameLst>
+                                          <p:attrName>style.visibility</p:attrName>
+                                        </p:attrNameLst>
+                                      </p:cBhvr>
+                                      <p:to>
+                                        <p:strVal val="visible"/>
+                                      </p:to>
+                                    </p:set>
+                                  </p:childTnLst>
+                                </p:cTn>
+                              </p:par>
+                            </p:childTnLst>
+                          </p:cTn>
+                        </p:par>
+                      </p:childTnLst>
+                    </p:cTn>
+                  </p:par>
+                </p:childTnLst>
+              </p:cTn>
+              <p:prevCondLst>
+                <p:cond evt="onPrev" delay="0">
+                  <p:tgtEl>
+                    <p:sldTgt/>
+                  </p:tgtEl>
+                </p:cond>
+              </p:prevCondLst>
+              <p:nextCondLst>
+                <p:cond evt="onNext" delay="0">
+                  <p:tgtEl>
+                    <p:sldTgt/>
+                  </p:tgtEl>
+                </p:cond>
+              </p:nextCondLst>
+            </p:seq>
+          </p:childTnLst>
+        </p:cTn>
+      </p:par>
+    </p:tnLst>
+    <p:bldLst>
+      <p:bldP spid="3" grpId="0" build="p"/>
+    </p:bldLst>
+  </p:timing>
+</p:sld>
+</file>
+
+<file path=ppt/slides/slide5.xml><?xml version="1.0" encoding="utf-8"?>
+<p:sld xmlns:a="http://schemas.openxmlformats.org/drawingml/2006/main" xmlns:r="http://schemas.openxmlformats.org/officeDocument/2006/relationships" xmlns:p="http://schemas.openxmlformats.org/presentationml/2006/main">
+  <p:cSld>
+    <p:spTree>
+      <p:nvGrpSpPr>
+        <p:cNvPr id="1" name=""/>
+        <p:cNvGrpSpPr/>
+        <p:nvPr/>
+      </p:nvGrpSpPr>
+      <p:grpSpPr>
+        <a:xfrm>
+          <a:off x="0" y="0"/>
+          <a:ext cx="0" cy="0"/>
+          <a:chOff x="0" y="0"/>
+          <a:chExt cx="0" cy="0"/>
+        </a:xfrm>
+      </p:grpSpPr>
+      <p:sp>
+        <p:nvSpPr>
+          <p:cNvPr id="2" name="Título 1"/>
+          <p:cNvSpPr>
+            <a:spLocks noGrp="1"/>
+          </p:cNvSpPr>
+          <p:nvPr>
+            <p:ph type="title"/>
+          </p:nvPr>
+        </p:nvSpPr>
+        <p:spPr/>
+        <p:txBody>
+          <a:bodyPr/>
+          <a:lstStyle/>
+          <a:p>
+            <a:r>
+              <a:rPr lang="pt-PT" dirty="0" err="1" smtClean="0"/>
+              <a:t>App</a:t>
+            </a:r>
+            <a:endParaRPr lang="pt-PT" dirty="0"/>
+          </a:p>
+        </p:txBody>
+      </p:sp>
+      <p:sp>
+        <p:nvSpPr>
+          <p:cNvPr id="3" name="Marcador de Posição de Conteúdo 2"/>
+          <p:cNvSpPr>
+            <a:spLocks noGrp="1"/>
+          </p:cNvSpPr>
+          <p:nvPr>
+            <p:ph idx="1"/>
+          </p:nvPr>
+        </p:nvSpPr>
+        <p:spPr/>
+        <p:txBody>
+          <a:bodyPr/>
+          <a:lstStyle/>
+          <a:p>
+            <a:r>
+              <a:rPr lang="pt-PT" dirty="0" smtClean="0"/>
+              <a:t>Os métodos de GET e POST foram alterados de forma a permitir receber dados binários em Base64 </a:t>
+            </a:r>
+            <a:r>
+              <a:rPr lang="pt-PT" dirty="0" err="1" smtClean="0"/>
+              <a:t>encoding</a:t>
+            </a:r>
+            <a:r>
+              <a:rPr lang="pt-PT" dirty="0" smtClean="0"/>
+              <a:t>;</a:t>
+            </a:r>
+          </a:p>
+          <a:p>
+            <a:r>
+              <a:rPr lang="pt-PT" dirty="0" smtClean="0"/>
+              <a:t>A </a:t>
+            </a:r>
+            <a:r>
+              <a:rPr lang="pt-PT" dirty="0" err="1" smtClean="0"/>
+              <a:t>app</a:t>
+            </a:r>
+            <a:r>
+              <a:rPr lang="pt-PT" dirty="0" smtClean="0"/>
+              <a:t> já consegue tanto enviar como receber dados duma base de dados </a:t>
+            </a:r>
+            <a:r>
+              <a:rPr lang="pt-PT" dirty="0" err="1" smtClean="0"/>
+              <a:t>SQLite</a:t>
+            </a:r>
+            <a:r>
+              <a:rPr lang="pt-PT" dirty="0" smtClean="0"/>
+              <a:t>, </a:t>
+            </a:r>
+            <a:r>
+              <a:rPr lang="pt-PT" dirty="0" err="1" smtClean="0"/>
+              <a:t>incluíndo</a:t>
+            </a:r>
+            <a:r>
+              <a:rPr lang="pt-PT" dirty="0" smtClean="0"/>
+              <a:t> dados binários (imagens).</a:t>
+            </a:r>
+          </a:p>
+        </p:txBody>
+      </p:sp>
+    </p:spTree>
+  </p:cSld>
+  <p:clrMapOvr>
+    <a:masterClrMapping/>
+  </p:clrMapOvr>
+  <p:timing>
+    <p:tnLst>
+      <p:par>
+        <p:cTn id="1" dur="indefinite" restart="never" nodeType="tmRoot">
+          <p:childTnLst>
+            <p:seq concurrent="1" nextAc="seek">
+              <p:cTn id="2" dur="indefinite" nodeType="mainSeq">
+                <p:childTnLst>
+                  <p:par>
+                    <p:cTn id="3" fill="hold">
+                      <p:stCondLst>
+                        <p:cond delay="indefinite"/>
+                      </p:stCondLst>
+                      <p:childTnLst>
+                        <p:par>
+                          <p:cTn id="4" fill="hold">
+                            <p:stCondLst>
+                              <p:cond delay="0"/>
+                            </p:stCondLst>
+                            <p:childTnLst>
+                              <p:par>
+                                <p:cTn id="5" presetID="1" presetClass="entr" presetSubtype="0" fill="hold" grpId="0" nodeType="clickEffect">
+                                  <p:stCondLst>
+                                    <p:cond delay="0"/>
+                                  </p:stCondLst>
+                                  <p:childTnLst>
+                                    <p:set>
+                                      <p:cBhvr>
+                                        <p:cTn id="6" dur="1" fill="hold">
+                                          <p:stCondLst>
+                                            <p:cond delay="0"/>
+                                          </p:stCondLst>
+                                        </p:cTn>
+                                        <p:tgtEl>
+                                          <p:spTgt spid="3">
+                                            <p:txEl>
+                                              <p:pRg st="0" end="0"/>
+                                            </p:txEl>
+                                          </p:spTgt>
+                                        </p:tgtEl>
+                                        <p:attrNameLst>
+                                          <p:attrName>style.visibility</p:attrName>
+                                        </p:attrNameLst>
+                                      </p:cBhvr>
+                                      <p:to>
+                                        <p:strVal val="visible"/>
+                                      </p:to>
+                                    </p:set>
+                                  </p:childTnLst>
+                                </p:cTn>
+                              </p:par>
+                            </p:childTnLst>
+                          </p:cTn>
+                        </p:par>
+                      </p:childTnLst>
+                    </p:cTn>
+                  </p:par>
+                  <p:par>
+                    <p:cTn id="7" fill="hold">
+                      <p:stCondLst>
+                        <p:cond delay="indefinite"/>
+                      </p:stCondLst>
+                      <p:childTnLst>
+                        <p:par>
+                          <p:cTn id="8" fill="hold">
+                            <p:stCondLst>
+                              <p:cond delay="0"/>
+                            </p:stCondLst>
+                            <p:childTnLst>
+                              <p:par>
+                                <p:cTn id="9" presetID="1" presetClass="entr" presetSubtype="0" fill="hold" grpId="0" nodeType="clickEffect">
+                                  <p:stCondLst>
+                                    <p:cond delay="0"/>
+                                  </p:stCondLst>
+                                  <p:childTnLst>
+                                    <p:set>
+                                      <p:cBhvr>
+                                        <p:cTn id="10" dur="1" fill="hold">
+                                          <p:stCondLst>
+                                            <p:cond delay="0"/>
+                                          </p:stCondLst>
+                                        </p:cTn>
+                                        <p:tgtEl>
+                                          <p:spTgt spid="3">
+                                            <p:txEl>
+                                              <p:pRg st="1" end="1"/>
+                                            </p:txEl>
+                                          </p:spTgt>
+                                        </p:tgtEl>
+                                        <p:attrNameLst>
+                                          <p:attrName>style.visibility</p:attrName>
+                                        </p:attrNameLst>
+                                      </p:cBhvr>
+                                      <p:to>
+                                        <p:strVal val="visible"/>
+                                      </p:to>
+                                    </p:set>
+                                  </p:childTnLst>
+                                </p:cTn>
+                              </p:par>
+                            </p:childTnLst>
+                          </p:cTn>
+                        </p:par>
+                      </p:childTnLst>
+                    </p:cTn>
+                  </p:par>
+                </p:childTnLst>
+              </p:cTn>
+              <p:prevCondLst>
+                <p:cond evt="onPrev" delay="0">
+                  <p:tgtEl>
+                    <p:sldTgt/>
+                  </p:tgtEl>
+                </p:cond>
+              </p:prevCondLst>
+              <p:nextCondLst>
+                <p:cond evt="onNext" delay="0">
+                  <p:tgtEl>
+                    <p:sldTgt/>
+                  </p:tgtEl>
+                </p:cond>
+              </p:nextCondLst>
+            </p:seq>
+          </p:childTnLst>
+        </p:cTn>
+      </p:par>
+    </p:tnLst>
+    <p:bldLst>
+      <p:bldP spid="3" grpId="0" build="p"/>
+    </p:bldLst>
+  </p:timing>
+</p:sld>
+</file>
+
+<file path=ppt/slides/slide6.xml><?xml version="1.0" encoding="utf-8"?>
+<p:sld xmlns:a="http://schemas.openxmlformats.org/drawingml/2006/main" xmlns:r="http://schemas.openxmlformats.org/officeDocument/2006/relationships" xmlns:p="http://schemas.openxmlformats.org/presentationml/2006/main">
+  <p:cSld>
+    <p:spTree>
+      <p:nvGrpSpPr>
+        <p:cNvPr id="1" name=""/>
+        <p:cNvGrpSpPr/>
+        <p:nvPr/>
+      </p:nvGrpSpPr>
+      <p:grpSpPr>
+        <a:xfrm>
+          <a:off x="0" y="0"/>
+          <a:ext cx="0" cy="0"/>
+          <a:chOff x="0" y="0"/>
+          <a:chExt cx="0" cy="0"/>
+        </a:xfrm>
+      </p:grpSpPr>
+      <p:sp>
+        <p:nvSpPr>
+          <p:cNvPr id="2" name="Título 1"/>
+          <p:cNvSpPr>
+            <a:spLocks noGrp="1"/>
+          </p:cNvSpPr>
+          <p:nvPr>
+            <p:ph type="ctrTitle"/>
+          </p:nvPr>
+        </p:nvSpPr>
+        <p:spPr/>
+        <p:txBody>
+          <a:bodyPr/>
+          <a:lstStyle/>
+          <a:p>
+            <a:r>
+              <a:rPr lang="pt-PT" dirty="0" err="1" smtClean="0"/>
               <a:t>SQLite</a:t>
             </a:r>
             <a:r>
@@ -6301,6 +9350,2050 @@
             <a:r>
               <a:rPr lang="pt-PT" dirty="0" smtClean="0"/>
               <a:t>Obtenção, colocação e tratamento de dados.</a:t>
+            </a:r>
+            <a:endParaRPr lang="pt-PT" dirty="0"/>
+          </a:p>
+        </p:txBody>
+      </p:sp>
+    </p:spTree>
+  </p:cSld>
+  <p:clrMapOvr>
+    <a:masterClrMapping/>
+  </p:clrMapOvr>
+  <p:timing>
+    <p:tnLst>
+      <p:par>
+        <p:cTn id="1" dur="indefinite" restart="never" nodeType="tmRoot"/>
+      </p:par>
+    </p:tnLst>
+  </p:timing>
+</p:sld>
+</file>
+
+<file path=ppt/slides/slide7.xml><?xml version="1.0" encoding="utf-8"?>
+<p:sld xmlns:a="http://schemas.openxmlformats.org/drawingml/2006/main" xmlns:r="http://schemas.openxmlformats.org/officeDocument/2006/relationships" xmlns:p="http://schemas.openxmlformats.org/presentationml/2006/main">
+  <p:cSld>
+    <p:spTree>
+      <p:nvGrpSpPr>
+        <p:cNvPr id="1" name=""/>
+        <p:cNvGrpSpPr/>
+        <p:nvPr/>
+      </p:nvGrpSpPr>
+      <p:grpSpPr>
+        <a:xfrm>
+          <a:off x="0" y="0"/>
+          <a:ext cx="0" cy="0"/>
+          <a:chOff x="0" y="0"/>
+          <a:chExt cx="0" cy="0"/>
+        </a:xfrm>
+      </p:grpSpPr>
+      <p:sp>
+        <p:nvSpPr>
+          <p:cNvPr id="4" name="Marcador de Posição do Texto 3"/>
+          <p:cNvSpPr>
+            <a:spLocks noGrp="1"/>
+          </p:cNvSpPr>
+          <p:nvPr>
+            <p:ph type="body" sz="quarter" idx="13"/>
+          </p:nvPr>
+        </p:nvSpPr>
+        <p:spPr>
+          <a:xfrm>
+            <a:off x="2411760" y="1201316"/>
+            <a:ext cx="4320480" cy="3096344"/>
+          </a:xfrm>
+        </p:spPr>
+        <p:txBody>
+          <a:bodyPr/>
+          <a:lstStyle/>
+          <a:p>
+            <a:r>
+              <a:rPr lang="en-US" dirty="0" smtClean="0">
+                <a:solidFill>
+                  <a:srgbClr val="000000"/>
+                </a:solidFill>
+                <a:latin typeface="Consolas"/>
+              </a:rPr>
+              <a:t>@</a:t>
+            </a:r>
+            <a:r>
+              <a:rPr lang="en-US" b="1" dirty="0" smtClean="0">
+                <a:solidFill>
+                  <a:srgbClr val="0000FF"/>
+                </a:solidFill>
+                <a:latin typeface="Consolas"/>
+              </a:rPr>
+              <a:t>Override</a:t>
+            </a:r>
+            <a:r>
+              <a:rPr lang="en-US" b="1" dirty="0" smtClean="0">
+                <a:solidFill>
+                  <a:srgbClr val="000000"/>
+                </a:solidFill>
+                <a:latin typeface="Consolas"/>
+              </a:rPr>
+              <a:t> </a:t>
+            </a:r>
+            <a:r>
+              <a:rPr lang="en-US" i="1" dirty="0" smtClean="0">
+                <a:solidFill>
+                  <a:srgbClr val="0066FF"/>
+                </a:solidFill>
+                <a:latin typeface="Consolas"/>
+              </a:rPr>
+              <a:t>// De </a:t>
+            </a:r>
+            <a:r>
+              <a:rPr lang="en-US" i="1" dirty="0" err="1" smtClean="0">
+                <a:solidFill>
+                  <a:srgbClr val="0066FF"/>
+                </a:solidFill>
+                <a:latin typeface="Consolas"/>
+              </a:rPr>
+              <a:t>SQLiteOpenHelper</a:t>
+            </a:r>
+            <a:endParaRPr lang="en-US" i="1" dirty="0" smtClean="0">
+              <a:solidFill>
+                <a:srgbClr val="000000"/>
+              </a:solidFill>
+              <a:latin typeface="Consolas"/>
+            </a:endParaRPr>
+          </a:p>
+          <a:p>
+            <a:r>
+              <a:rPr lang="en-US" b="1" dirty="0" smtClean="0">
+                <a:solidFill>
+                  <a:srgbClr val="0000FF"/>
+                </a:solidFill>
+                <a:latin typeface="Consolas"/>
+              </a:rPr>
+              <a:t>public</a:t>
+            </a:r>
+            <a:r>
+              <a:rPr lang="en-US" b="1" dirty="0" smtClean="0">
+                <a:solidFill>
+                  <a:srgbClr val="000000"/>
+                </a:solidFill>
+                <a:latin typeface="Consolas"/>
+              </a:rPr>
+              <a:t> </a:t>
+            </a:r>
+            <a:r>
+              <a:rPr lang="en-US" b="1" dirty="0" smtClean="0">
+                <a:solidFill>
+                  <a:srgbClr val="0000FF"/>
+                </a:solidFill>
+                <a:latin typeface="Consolas"/>
+              </a:rPr>
+              <a:t>void</a:t>
+            </a:r>
+            <a:r>
+              <a:rPr lang="en-US" b="1" dirty="0" smtClean="0">
+                <a:solidFill>
+                  <a:srgbClr val="000000"/>
+                </a:solidFill>
+                <a:latin typeface="Consolas"/>
+              </a:rPr>
+              <a:t> </a:t>
+            </a:r>
+            <a:r>
+              <a:rPr lang="en-US" b="1" dirty="0" err="1" smtClean="0">
+                <a:solidFill>
+                  <a:srgbClr val="000000"/>
+                </a:solidFill>
+                <a:latin typeface="Consolas"/>
+              </a:rPr>
+              <a:t>onCreate</a:t>
+            </a:r>
+            <a:r>
+              <a:rPr lang="en-US" b="1" dirty="0" smtClean="0">
+                <a:solidFill>
+                  <a:srgbClr val="000000"/>
+                </a:solidFill>
+                <a:latin typeface="Consolas"/>
+              </a:rPr>
+              <a:t>(</a:t>
+            </a:r>
+            <a:r>
+              <a:rPr lang="en-US" b="1" dirty="0" err="1" smtClean="0">
+                <a:solidFill>
+                  <a:srgbClr val="0000FF"/>
+                </a:solidFill>
+                <a:latin typeface="Consolas"/>
+              </a:rPr>
+              <a:t>SQLiteDatabase</a:t>
+            </a:r>
+            <a:r>
+              <a:rPr lang="en-US" b="1" dirty="0" smtClean="0">
+                <a:solidFill>
+                  <a:srgbClr val="000000"/>
+                </a:solidFill>
+                <a:latin typeface="Consolas"/>
+              </a:rPr>
+              <a:t> db) {</a:t>
+            </a:r>
+          </a:p>
+          <a:p>
+            <a:r>
+              <a:rPr lang="en-US" dirty="0" smtClean="0">
+                <a:solidFill>
+                  <a:srgbClr val="000000"/>
+                </a:solidFill>
+                <a:latin typeface="Consolas"/>
+              </a:rPr>
+              <a:t>  </a:t>
+            </a:r>
+            <a:r>
+              <a:rPr lang="en-US" b="1" dirty="0" smtClean="0">
+                <a:solidFill>
+                  <a:srgbClr val="0000FF"/>
+                </a:solidFill>
+                <a:latin typeface="Consolas"/>
+              </a:rPr>
+              <a:t>String</a:t>
+            </a:r>
+            <a:r>
+              <a:rPr lang="en-US" b="1" dirty="0" smtClean="0">
+                <a:solidFill>
+                  <a:srgbClr val="000000"/>
+                </a:solidFill>
+                <a:latin typeface="Consolas"/>
+              </a:rPr>
+              <a:t> </a:t>
+            </a:r>
+            <a:r>
+              <a:rPr lang="en-US" b="1" dirty="0" err="1" smtClean="0">
+                <a:solidFill>
+                  <a:srgbClr val="000000"/>
+                </a:solidFill>
+                <a:latin typeface="Consolas"/>
+              </a:rPr>
+              <a:t>createTableString</a:t>
+            </a:r>
+            <a:r>
+              <a:rPr lang="en-US" b="1" dirty="0" smtClean="0">
+                <a:solidFill>
+                  <a:srgbClr val="000000"/>
+                </a:solidFill>
+                <a:latin typeface="Consolas"/>
+              </a:rPr>
+              <a:t> </a:t>
+            </a:r>
+            <a:r>
+              <a:rPr lang="en-US" b="1" dirty="0" smtClean="0">
+                <a:solidFill>
+                  <a:srgbClr val="0000FF"/>
+                </a:solidFill>
+                <a:latin typeface="Consolas"/>
+              </a:rPr>
+              <a:t>=</a:t>
+            </a:r>
+            <a:r>
+              <a:rPr lang="en-US" b="1" dirty="0" smtClean="0">
+                <a:solidFill>
+                  <a:srgbClr val="000000"/>
+                </a:solidFill>
+                <a:latin typeface="Consolas"/>
+              </a:rPr>
+              <a:t> </a:t>
+            </a:r>
+          </a:p>
+          <a:p>
+            <a:r>
+              <a:rPr lang="en-US" dirty="0" smtClean="0">
+                <a:solidFill>
+                  <a:srgbClr val="000000"/>
+                </a:solidFill>
+                <a:latin typeface="Consolas"/>
+              </a:rPr>
+              <a:t>    </a:t>
+            </a:r>
+            <a:r>
+              <a:rPr lang="en-US" dirty="0" smtClean="0">
+                <a:solidFill>
+                  <a:srgbClr val="036A07"/>
+                </a:solidFill>
+                <a:latin typeface="Consolas"/>
+              </a:rPr>
+              <a:t>"CREATE TABLE "</a:t>
+            </a:r>
+            <a:r>
+              <a:rPr lang="en-US" dirty="0" smtClean="0">
+                <a:solidFill>
+                  <a:srgbClr val="000000"/>
+                </a:solidFill>
+                <a:latin typeface="Consolas"/>
+              </a:rPr>
+              <a:t> </a:t>
+            </a:r>
+            <a:r>
+              <a:rPr lang="en-US" b="1" dirty="0" smtClean="0">
+                <a:solidFill>
+                  <a:srgbClr val="0000FF"/>
+                </a:solidFill>
+                <a:latin typeface="Consolas"/>
+              </a:rPr>
+              <a:t>+</a:t>
+            </a:r>
+            <a:r>
+              <a:rPr lang="en-US" b="1" dirty="0" smtClean="0">
+                <a:solidFill>
+                  <a:srgbClr val="000000"/>
+                </a:solidFill>
+                <a:latin typeface="Consolas"/>
+              </a:rPr>
+              <a:t> </a:t>
+            </a:r>
+            <a:r>
+              <a:rPr lang="en-US" b="1" dirty="0" smtClean="0">
+                <a:solidFill>
+                  <a:srgbClr val="C5060B"/>
+                </a:solidFill>
+                <a:latin typeface="Consolas"/>
+              </a:rPr>
+              <a:t>TABLE_IMAGES</a:t>
+            </a:r>
+            <a:r>
+              <a:rPr lang="en-US" b="1" dirty="0" smtClean="0">
+                <a:solidFill>
+                  <a:srgbClr val="000000"/>
+                </a:solidFill>
+                <a:latin typeface="Consolas"/>
+              </a:rPr>
+              <a:t> </a:t>
+            </a:r>
+            <a:r>
+              <a:rPr lang="en-US" b="1" dirty="0" smtClean="0">
+                <a:solidFill>
+                  <a:srgbClr val="0000FF"/>
+                </a:solidFill>
+                <a:latin typeface="Consolas"/>
+              </a:rPr>
+              <a:t>+</a:t>
+            </a:r>
+            <a:r>
+              <a:rPr lang="en-US" b="1" dirty="0" smtClean="0">
+                <a:solidFill>
+                  <a:srgbClr val="000000"/>
+                </a:solidFill>
+                <a:latin typeface="Consolas"/>
+              </a:rPr>
+              <a:t> </a:t>
+            </a:r>
+            <a:r>
+              <a:rPr lang="en-US" b="1" dirty="0" smtClean="0">
+                <a:solidFill>
+                  <a:srgbClr val="036A07"/>
+                </a:solidFill>
+                <a:latin typeface="Consolas"/>
+              </a:rPr>
+              <a:t>"("</a:t>
+            </a:r>
+            <a:r>
+              <a:rPr lang="en-US" b="1" dirty="0" smtClean="0">
+                <a:solidFill>
+                  <a:srgbClr val="000000"/>
+                </a:solidFill>
+                <a:latin typeface="Consolas"/>
+              </a:rPr>
+              <a:t> </a:t>
+            </a:r>
+            <a:r>
+              <a:rPr lang="en-US" b="1" dirty="0" smtClean="0">
+                <a:solidFill>
+                  <a:srgbClr val="0000FF"/>
+                </a:solidFill>
+                <a:latin typeface="Consolas"/>
+              </a:rPr>
+              <a:t>+</a:t>
+            </a:r>
+            <a:r>
+              <a:rPr lang="en-US" b="1" dirty="0" smtClean="0">
+                <a:solidFill>
+                  <a:srgbClr val="000000"/>
+                </a:solidFill>
+                <a:latin typeface="Consolas"/>
+              </a:rPr>
+              <a:t> </a:t>
+            </a:r>
+          </a:p>
+          <a:p>
+            <a:r>
+              <a:rPr lang="en-US" dirty="0" smtClean="0">
+                <a:solidFill>
+                  <a:srgbClr val="000000"/>
+                </a:solidFill>
+                <a:latin typeface="Consolas"/>
+              </a:rPr>
+              <a:t>      </a:t>
+            </a:r>
+            <a:r>
+              <a:rPr lang="en-US" b="1" dirty="0" smtClean="0">
+                <a:solidFill>
+                  <a:srgbClr val="C5060B"/>
+                </a:solidFill>
+                <a:latin typeface="Consolas"/>
+              </a:rPr>
+              <a:t>KEY_ID</a:t>
+            </a:r>
+            <a:r>
+              <a:rPr lang="en-US" b="1" dirty="0" smtClean="0">
+                <a:solidFill>
+                  <a:srgbClr val="000000"/>
+                </a:solidFill>
+                <a:latin typeface="Consolas"/>
+              </a:rPr>
+              <a:t> </a:t>
+            </a:r>
+            <a:r>
+              <a:rPr lang="en-US" b="1" dirty="0" smtClean="0">
+                <a:solidFill>
+                  <a:srgbClr val="0000FF"/>
+                </a:solidFill>
+                <a:latin typeface="Consolas"/>
+              </a:rPr>
+              <a:t>+</a:t>
+            </a:r>
+            <a:r>
+              <a:rPr lang="en-US" b="1" dirty="0" smtClean="0">
+                <a:solidFill>
+                  <a:srgbClr val="000000"/>
+                </a:solidFill>
+                <a:latin typeface="Consolas"/>
+              </a:rPr>
+              <a:t> </a:t>
+            </a:r>
+            <a:r>
+              <a:rPr lang="en-US" b="1" dirty="0" smtClean="0">
+                <a:solidFill>
+                  <a:srgbClr val="036A07"/>
+                </a:solidFill>
+                <a:latin typeface="Consolas"/>
+              </a:rPr>
+              <a:t>" INTEGER PRIMARY KEY,"</a:t>
+            </a:r>
+            <a:r>
+              <a:rPr lang="en-US" b="1" dirty="0" smtClean="0">
+                <a:solidFill>
+                  <a:srgbClr val="000000"/>
+                </a:solidFill>
+                <a:latin typeface="Consolas"/>
+              </a:rPr>
+              <a:t> </a:t>
+            </a:r>
+            <a:r>
+              <a:rPr lang="en-US" b="1" dirty="0" smtClean="0">
+                <a:solidFill>
+                  <a:srgbClr val="0000FF"/>
+                </a:solidFill>
+                <a:latin typeface="Consolas"/>
+              </a:rPr>
+              <a:t>+</a:t>
+            </a:r>
+            <a:r>
+              <a:rPr lang="en-US" b="1" dirty="0" smtClean="0">
+                <a:solidFill>
+                  <a:srgbClr val="000000"/>
+                </a:solidFill>
+                <a:latin typeface="Consolas"/>
+              </a:rPr>
+              <a:t> </a:t>
+            </a:r>
+          </a:p>
+          <a:p>
+            <a:r>
+              <a:rPr lang="en-US" dirty="0" smtClean="0">
+                <a:solidFill>
+                  <a:srgbClr val="000000"/>
+                </a:solidFill>
+                <a:latin typeface="Consolas"/>
+              </a:rPr>
+              <a:t>      </a:t>
+            </a:r>
+            <a:r>
+              <a:rPr lang="en-US" b="1" dirty="0" smtClean="0">
+                <a:solidFill>
+                  <a:srgbClr val="C5060B"/>
+                </a:solidFill>
+                <a:latin typeface="Consolas"/>
+              </a:rPr>
+              <a:t>KEY_NAME</a:t>
+            </a:r>
+            <a:r>
+              <a:rPr lang="en-US" b="1" dirty="0" smtClean="0">
+                <a:solidFill>
+                  <a:srgbClr val="000000"/>
+                </a:solidFill>
+                <a:latin typeface="Consolas"/>
+              </a:rPr>
+              <a:t> </a:t>
+            </a:r>
+            <a:r>
+              <a:rPr lang="en-US" b="1" dirty="0" smtClean="0">
+                <a:solidFill>
+                  <a:srgbClr val="0000FF"/>
+                </a:solidFill>
+                <a:latin typeface="Consolas"/>
+              </a:rPr>
+              <a:t>+</a:t>
+            </a:r>
+            <a:r>
+              <a:rPr lang="en-US" b="1" dirty="0" smtClean="0">
+                <a:solidFill>
+                  <a:srgbClr val="000000"/>
+                </a:solidFill>
+                <a:latin typeface="Consolas"/>
+              </a:rPr>
+              <a:t> </a:t>
+            </a:r>
+            <a:r>
+              <a:rPr lang="en-US" b="1" dirty="0" smtClean="0">
+                <a:solidFill>
+                  <a:srgbClr val="036A07"/>
+                </a:solidFill>
+                <a:latin typeface="Consolas"/>
+              </a:rPr>
+              <a:t>" TEXT,"</a:t>
+            </a:r>
+            <a:r>
+              <a:rPr lang="en-US" b="1" dirty="0" smtClean="0">
+                <a:solidFill>
+                  <a:srgbClr val="000000"/>
+                </a:solidFill>
+                <a:latin typeface="Consolas"/>
+              </a:rPr>
+              <a:t> </a:t>
+            </a:r>
+            <a:r>
+              <a:rPr lang="en-US" b="1" dirty="0" smtClean="0">
+                <a:solidFill>
+                  <a:srgbClr val="0000FF"/>
+                </a:solidFill>
+                <a:latin typeface="Consolas"/>
+              </a:rPr>
+              <a:t>+</a:t>
+            </a:r>
+            <a:r>
+              <a:rPr lang="en-US" b="1" dirty="0" smtClean="0">
+                <a:solidFill>
+                  <a:srgbClr val="000000"/>
+                </a:solidFill>
+                <a:latin typeface="Consolas"/>
+              </a:rPr>
+              <a:t> </a:t>
+            </a:r>
+            <a:r>
+              <a:rPr lang="en-US" b="1" dirty="0" smtClean="0">
+                <a:solidFill>
+                  <a:srgbClr val="C5060B"/>
+                </a:solidFill>
+                <a:latin typeface="Consolas"/>
+              </a:rPr>
+              <a:t>KEY_IMAGE</a:t>
+            </a:r>
+            <a:r>
+              <a:rPr lang="en-US" b="1" dirty="0" smtClean="0">
+                <a:solidFill>
+                  <a:srgbClr val="000000"/>
+                </a:solidFill>
+                <a:latin typeface="Consolas"/>
+              </a:rPr>
+              <a:t> </a:t>
+            </a:r>
+            <a:r>
+              <a:rPr lang="en-US" b="1" dirty="0" smtClean="0">
+                <a:solidFill>
+                  <a:srgbClr val="0000FF"/>
+                </a:solidFill>
+                <a:latin typeface="Consolas"/>
+              </a:rPr>
+              <a:t>+</a:t>
+            </a:r>
+            <a:r>
+              <a:rPr lang="en-US" b="1" dirty="0" smtClean="0">
+                <a:solidFill>
+                  <a:srgbClr val="000000"/>
+                </a:solidFill>
+                <a:latin typeface="Consolas"/>
+              </a:rPr>
+              <a:t> </a:t>
+            </a:r>
+          </a:p>
+          <a:p>
+            <a:r>
+              <a:rPr lang="en-US" dirty="0" smtClean="0">
+                <a:solidFill>
+                  <a:srgbClr val="000000"/>
+                </a:solidFill>
+                <a:latin typeface="Consolas"/>
+              </a:rPr>
+              <a:t>      </a:t>
+            </a:r>
+            <a:r>
+              <a:rPr lang="pt-PT" dirty="0" smtClean="0">
+                <a:solidFill>
+                  <a:srgbClr val="036A07"/>
+                </a:solidFill>
+                <a:latin typeface="Consolas"/>
+              </a:rPr>
+              <a:t>" BLOB"</a:t>
+            </a:r>
+            <a:r>
+              <a:rPr lang="pt-PT" dirty="0" smtClean="0">
+                <a:solidFill>
+                  <a:srgbClr val="000000"/>
+                </a:solidFill>
+                <a:latin typeface="Consolas"/>
+              </a:rPr>
+              <a:t> </a:t>
+            </a:r>
+            <a:r>
+              <a:rPr lang="pt-PT" b="1" dirty="0" smtClean="0">
+                <a:solidFill>
+                  <a:srgbClr val="0000FF"/>
+                </a:solidFill>
+                <a:latin typeface="Consolas"/>
+              </a:rPr>
+              <a:t>+</a:t>
+            </a:r>
+            <a:r>
+              <a:rPr lang="pt-PT" b="1" dirty="0" smtClean="0">
+                <a:solidFill>
+                  <a:srgbClr val="000000"/>
+                </a:solidFill>
+                <a:latin typeface="Consolas"/>
+              </a:rPr>
+              <a:t> </a:t>
+            </a:r>
+          </a:p>
+          <a:p>
+            <a:r>
+              <a:rPr lang="pt-PT" dirty="0" smtClean="0">
+                <a:solidFill>
+                  <a:srgbClr val="000000"/>
+                </a:solidFill>
+                <a:latin typeface="Consolas"/>
+              </a:rPr>
+              <a:t>    </a:t>
+            </a:r>
+            <a:r>
+              <a:rPr lang="pt-PT" dirty="0" smtClean="0">
+                <a:solidFill>
+                  <a:srgbClr val="036A07"/>
+                </a:solidFill>
+                <a:latin typeface="Consolas"/>
+              </a:rPr>
+              <a:t>")"</a:t>
+            </a:r>
+            <a:r>
+              <a:rPr lang="pt-PT" dirty="0" smtClean="0">
+                <a:solidFill>
+                  <a:srgbClr val="000000"/>
+                </a:solidFill>
+                <a:latin typeface="Consolas"/>
+              </a:rPr>
+              <a:t>;</a:t>
+            </a:r>
+          </a:p>
+          <a:p>
+            <a:endParaRPr lang="pt-PT" dirty="0" smtClean="0">
+              <a:solidFill>
+                <a:srgbClr val="000000"/>
+              </a:solidFill>
+              <a:latin typeface="Consolas"/>
+            </a:endParaRPr>
+          </a:p>
+          <a:p>
+            <a:r>
+              <a:rPr lang="pt-PT" dirty="0" smtClean="0">
+                <a:solidFill>
+                  <a:srgbClr val="000000"/>
+                </a:solidFill>
+                <a:latin typeface="Consolas"/>
+              </a:rPr>
+              <a:t>  </a:t>
+            </a:r>
+            <a:r>
+              <a:rPr lang="pt-PT" dirty="0" err="1" smtClean="0">
+                <a:solidFill>
+                  <a:srgbClr val="000000"/>
+                </a:solidFill>
+                <a:latin typeface="Consolas"/>
+              </a:rPr>
+              <a:t>db</a:t>
+            </a:r>
+            <a:r>
+              <a:rPr lang="pt-PT" b="1" dirty="0" err="1" smtClean="0">
+                <a:solidFill>
+                  <a:srgbClr val="0000FF"/>
+                </a:solidFill>
+                <a:latin typeface="Consolas"/>
+              </a:rPr>
+              <a:t>.</a:t>
+            </a:r>
+            <a:r>
+              <a:rPr lang="pt-PT" b="1" dirty="0" err="1" smtClean="0">
+                <a:solidFill>
+                  <a:srgbClr val="000000"/>
+                </a:solidFill>
+                <a:latin typeface="Consolas"/>
+              </a:rPr>
+              <a:t>execSQL</a:t>
+            </a:r>
+            <a:r>
+              <a:rPr lang="pt-PT" b="1" dirty="0" smtClean="0">
+                <a:solidFill>
+                  <a:srgbClr val="000000"/>
+                </a:solidFill>
+                <a:latin typeface="Consolas"/>
+              </a:rPr>
+              <a:t>(</a:t>
+            </a:r>
+            <a:r>
+              <a:rPr lang="pt-PT" b="1" dirty="0" err="1" smtClean="0">
+                <a:solidFill>
+                  <a:srgbClr val="000000"/>
+                </a:solidFill>
+                <a:latin typeface="Consolas"/>
+              </a:rPr>
+              <a:t>createTableString</a:t>
+            </a:r>
+            <a:r>
+              <a:rPr lang="pt-PT" b="1" dirty="0" smtClean="0">
+                <a:solidFill>
+                  <a:srgbClr val="000000"/>
+                </a:solidFill>
+                <a:latin typeface="Consolas"/>
+              </a:rPr>
+              <a:t>);</a:t>
+            </a:r>
+          </a:p>
+          <a:p>
+            <a:r>
+              <a:rPr lang="pt-PT" dirty="0" smtClean="0">
+                <a:solidFill>
+                  <a:srgbClr val="000000"/>
+                </a:solidFill>
+                <a:latin typeface="Consolas"/>
+              </a:rPr>
+              <a:t>}</a:t>
+            </a:r>
+            <a:endParaRPr lang="pt-PT" dirty="0" smtClean="0">
+              <a:solidFill>
+                <a:srgbClr val="000000"/>
+              </a:solidFill>
+              <a:latin typeface="Consolas"/>
+            </a:endParaRPr>
+          </a:p>
+        </p:txBody>
+      </p:sp>
+      <p:sp>
+        <p:nvSpPr>
+          <p:cNvPr id="5" name="Marcador de Posição do Texto 4"/>
+          <p:cNvSpPr>
+            <a:spLocks noGrp="1"/>
+          </p:cNvSpPr>
+          <p:nvPr>
+            <p:ph type="body" sz="quarter" idx="14"/>
+          </p:nvPr>
+        </p:nvSpPr>
+        <p:spPr/>
+        <p:txBody>
+          <a:bodyPr/>
+          <a:lstStyle/>
+          <a:p>
+            <a:r>
+              <a:rPr lang="pt-PT" dirty="0" smtClean="0"/>
+              <a:t>Exemplo: Criação de uma tabela em </a:t>
+            </a:r>
+            <a:r>
+              <a:rPr lang="pt-PT" dirty="0" err="1" smtClean="0"/>
+              <a:t>SQLite</a:t>
+            </a:r>
+            <a:r>
+              <a:rPr lang="pt-PT" dirty="0" smtClean="0"/>
+              <a:t>.</a:t>
+            </a:r>
+            <a:endParaRPr lang="pt-PT" dirty="0"/>
+          </a:p>
+        </p:txBody>
+      </p:sp>
+    </p:spTree>
+  </p:cSld>
+  <p:clrMapOvr>
+    <a:masterClrMapping/>
+  </p:clrMapOvr>
+  <p:timing>
+    <p:tnLst>
+      <p:par>
+        <p:cTn id="1" dur="indefinite" restart="never" nodeType="tmRoot"/>
+      </p:par>
+    </p:tnLst>
+  </p:timing>
+</p:sld>
+</file>
+
+<file path=ppt/slides/slide8.xml><?xml version="1.0" encoding="utf-8"?>
+<p:sld xmlns:a="http://schemas.openxmlformats.org/drawingml/2006/main" xmlns:r="http://schemas.openxmlformats.org/officeDocument/2006/relationships" xmlns:p="http://schemas.openxmlformats.org/presentationml/2006/main">
+  <p:cSld>
+    <p:spTree>
+      <p:nvGrpSpPr>
+        <p:cNvPr id="1" name=""/>
+        <p:cNvGrpSpPr/>
+        <p:nvPr/>
+      </p:nvGrpSpPr>
+      <p:grpSpPr>
+        <a:xfrm>
+          <a:off x="0" y="0"/>
+          <a:ext cx="0" cy="0"/>
+          <a:chOff x="0" y="0"/>
+          <a:chExt cx="0" cy="0"/>
+        </a:xfrm>
+      </p:grpSpPr>
+      <p:sp>
+        <p:nvSpPr>
+          <p:cNvPr id="4" name="Marcador de Posição do Texto 3"/>
+          <p:cNvSpPr>
+            <a:spLocks noGrp="1"/>
+          </p:cNvSpPr>
+          <p:nvPr>
+            <p:ph type="body" sz="quarter" idx="13"/>
+          </p:nvPr>
+        </p:nvSpPr>
+        <p:spPr>
+          <a:xfrm>
+            <a:off x="1871700" y="1057300"/>
+            <a:ext cx="5400600" cy="3240360"/>
+          </a:xfrm>
+        </p:spPr>
+        <p:txBody>
+          <a:bodyPr/>
+          <a:lstStyle/>
+          <a:p>
+            <a:r>
+              <a:rPr lang="en-US" b="1" dirty="0" smtClean="0">
+                <a:solidFill>
+                  <a:srgbClr val="0000FF"/>
+                </a:solidFill>
+                <a:latin typeface="Consolas"/>
+              </a:rPr>
+              <a:t>void</a:t>
+            </a:r>
+            <a:r>
+              <a:rPr lang="en-US" b="1" dirty="0" smtClean="0">
+                <a:solidFill>
+                  <a:srgbClr val="000000"/>
+                </a:solidFill>
+                <a:latin typeface="Consolas"/>
+              </a:rPr>
+              <a:t> </a:t>
+            </a:r>
+            <a:r>
+              <a:rPr lang="en-US" b="1" dirty="0" err="1" smtClean="0">
+                <a:solidFill>
+                  <a:srgbClr val="000000"/>
+                </a:solidFill>
+                <a:latin typeface="Consolas"/>
+              </a:rPr>
+              <a:t>addNewItem</a:t>
+            </a:r>
+            <a:r>
+              <a:rPr lang="en-US" b="1" dirty="0" smtClean="0">
+                <a:solidFill>
+                  <a:srgbClr val="000000"/>
+                </a:solidFill>
+                <a:latin typeface="Consolas"/>
+              </a:rPr>
+              <a:t>(</a:t>
+            </a:r>
+            <a:r>
+              <a:rPr lang="en-US" b="1" dirty="0" err="1" smtClean="0">
+                <a:solidFill>
+                  <a:srgbClr val="0000FF"/>
+                </a:solidFill>
+                <a:latin typeface="Consolas"/>
+              </a:rPr>
+              <a:t>DadosImg</a:t>
+            </a:r>
+            <a:r>
+              <a:rPr lang="en-US" b="1" dirty="0" smtClean="0">
+                <a:solidFill>
+                  <a:srgbClr val="000000"/>
+                </a:solidFill>
+                <a:latin typeface="Consolas"/>
+              </a:rPr>
+              <a:t> image) {</a:t>
+            </a:r>
+          </a:p>
+          <a:p>
+            <a:r>
+              <a:rPr lang="en-US" dirty="0" smtClean="0">
+                <a:solidFill>
+                  <a:srgbClr val="000000"/>
+                </a:solidFill>
+                <a:latin typeface="Consolas"/>
+              </a:rPr>
+              <a:t>  </a:t>
+            </a:r>
+            <a:r>
+              <a:rPr lang="en-US" b="1" dirty="0" err="1" smtClean="0">
+                <a:solidFill>
+                  <a:srgbClr val="0000FF"/>
+                </a:solidFill>
+                <a:latin typeface="Consolas"/>
+              </a:rPr>
+              <a:t>SQLiteDatabase</a:t>
+            </a:r>
+            <a:r>
+              <a:rPr lang="en-US" b="1" dirty="0" smtClean="0">
+                <a:solidFill>
+                  <a:srgbClr val="000000"/>
+                </a:solidFill>
+                <a:latin typeface="Consolas"/>
+              </a:rPr>
+              <a:t> db </a:t>
+            </a:r>
+            <a:r>
+              <a:rPr lang="en-US" b="1" dirty="0" smtClean="0">
+                <a:solidFill>
+                  <a:srgbClr val="0000FF"/>
+                </a:solidFill>
+                <a:latin typeface="Consolas"/>
+              </a:rPr>
+              <a:t>=</a:t>
+            </a:r>
+            <a:r>
+              <a:rPr lang="en-US" b="1" dirty="0" smtClean="0">
+                <a:solidFill>
+                  <a:srgbClr val="000000"/>
+                </a:solidFill>
+                <a:latin typeface="Consolas"/>
+              </a:rPr>
+              <a:t> </a:t>
+            </a:r>
+            <a:r>
+              <a:rPr lang="en-US" b="1" dirty="0" err="1" smtClean="0">
+                <a:solidFill>
+                  <a:srgbClr val="318495"/>
+                </a:solidFill>
+                <a:latin typeface="Consolas"/>
+              </a:rPr>
+              <a:t>this</a:t>
+            </a:r>
+            <a:r>
+              <a:rPr lang="en-US" b="1" dirty="0" err="1" smtClean="0">
+                <a:solidFill>
+                  <a:srgbClr val="0000FF"/>
+                </a:solidFill>
+                <a:latin typeface="Consolas"/>
+              </a:rPr>
+              <a:t>.</a:t>
+            </a:r>
+            <a:r>
+              <a:rPr lang="en-US" b="1" dirty="0" err="1" smtClean="0">
+                <a:solidFill>
+                  <a:srgbClr val="000000"/>
+                </a:solidFill>
+                <a:latin typeface="Consolas"/>
+              </a:rPr>
+              <a:t>getWritableDatabase</a:t>
+            </a:r>
+            <a:r>
+              <a:rPr lang="en-US" b="1" dirty="0" smtClean="0">
+                <a:solidFill>
+                  <a:srgbClr val="000000"/>
+                </a:solidFill>
+                <a:latin typeface="Consolas"/>
+              </a:rPr>
+              <a:t>();</a:t>
+            </a:r>
+          </a:p>
+          <a:p>
+            <a:r>
+              <a:rPr lang="en-US" dirty="0" smtClean="0">
+                <a:solidFill>
+                  <a:srgbClr val="000000"/>
+                </a:solidFill>
+                <a:latin typeface="Consolas"/>
+              </a:rPr>
+              <a:t>  </a:t>
+            </a:r>
+            <a:r>
+              <a:rPr lang="en-US" b="1" dirty="0" err="1" smtClean="0">
+                <a:solidFill>
+                  <a:srgbClr val="0000FF"/>
+                </a:solidFill>
+                <a:latin typeface="Consolas"/>
+              </a:rPr>
+              <a:t>ContentValues</a:t>
+            </a:r>
+            <a:r>
+              <a:rPr lang="en-US" b="1" dirty="0" smtClean="0">
+                <a:solidFill>
+                  <a:srgbClr val="000000"/>
+                </a:solidFill>
+                <a:latin typeface="Consolas"/>
+              </a:rPr>
+              <a:t> values </a:t>
+            </a:r>
+            <a:r>
+              <a:rPr lang="en-US" b="1" dirty="0" smtClean="0">
+                <a:solidFill>
+                  <a:srgbClr val="0000FF"/>
+                </a:solidFill>
+                <a:latin typeface="Consolas"/>
+              </a:rPr>
+              <a:t>=</a:t>
+            </a:r>
+            <a:r>
+              <a:rPr lang="en-US" b="1" dirty="0" smtClean="0">
+                <a:solidFill>
+                  <a:srgbClr val="000000"/>
+                </a:solidFill>
+                <a:latin typeface="Consolas"/>
+              </a:rPr>
+              <a:t> </a:t>
+            </a:r>
+            <a:r>
+              <a:rPr lang="en-US" b="1" dirty="0" smtClean="0">
+                <a:solidFill>
+                  <a:srgbClr val="0000FF"/>
+                </a:solidFill>
+                <a:latin typeface="Consolas"/>
+              </a:rPr>
+              <a:t>new</a:t>
+            </a:r>
+            <a:r>
+              <a:rPr lang="en-US" b="1" dirty="0" smtClean="0">
+                <a:solidFill>
+                  <a:srgbClr val="000000"/>
+                </a:solidFill>
+                <a:latin typeface="Consolas"/>
+              </a:rPr>
+              <a:t> </a:t>
+            </a:r>
+            <a:r>
+              <a:rPr lang="en-US" b="1" dirty="0" err="1" smtClean="0">
+                <a:solidFill>
+                  <a:srgbClr val="0000FF"/>
+                </a:solidFill>
+                <a:latin typeface="Consolas"/>
+              </a:rPr>
+              <a:t>ContentValues</a:t>
+            </a:r>
+            <a:r>
+              <a:rPr lang="en-US" b="1" dirty="0" smtClean="0">
+                <a:solidFill>
+                  <a:srgbClr val="000000"/>
+                </a:solidFill>
+                <a:latin typeface="Consolas"/>
+              </a:rPr>
+              <a:t>();</a:t>
+            </a:r>
+          </a:p>
+          <a:p>
+            <a:endParaRPr lang="en-US" dirty="0" smtClean="0">
+              <a:solidFill>
+                <a:srgbClr val="000000"/>
+              </a:solidFill>
+              <a:latin typeface="Consolas"/>
+            </a:endParaRPr>
+          </a:p>
+          <a:p>
+            <a:r>
+              <a:rPr lang="en-US" dirty="0" smtClean="0">
+                <a:solidFill>
+                  <a:srgbClr val="000000"/>
+                </a:solidFill>
+                <a:latin typeface="Consolas"/>
+              </a:rPr>
+              <a:t>  </a:t>
+            </a:r>
+            <a:r>
+              <a:rPr lang="en-US" dirty="0" err="1" smtClean="0">
+                <a:solidFill>
+                  <a:srgbClr val="000000"/>
+                </a:solidFill>
+                <a:latin typeface="Consolas"/>
+              </a:rPr>
+              <a:t>values</a:t>
+            </a:r>
+            <a:r>
+              <a:rPr lang="en-US" b="1" dirty="0" err="1" smtClean="0">
+                <a:solidFill>
+                  <a:srgbClr val="0000FF"/>
+                </a:solidFill>
+                <a:latin typeface="Consolas"/>
+              </a:rPr>
+              <a:t>.</a:t>
+            </a:r>
+            <a:r>
+              <a:rPr lang="en-US" b="1" dirty="0" err="1" smtClean="0">
+                <a:solidFill>
+                  <a:srgbClr val="000000"/>
+                </a:solidFill>
+                <a:latin typeface="Consolas"/>
+              </a:rPr>
+              <a:t>put</a:t>
+            </a:r>
+            <a:r>
+              <a:rPr lang="en-US" b="1" dirty="0" smtClean="0">
+                <a:solidFill>
+                  <a:srgbClr val="000000"/>
+                </a:solidFill>
+                <a:latin typeface="Consolas"/>
+              </a:rPr>
+              <a:t>(</a:t>
+            </a:r>
+            <a:r>
+              <a:rPr lang="en-US" b="1" dirty="0" smtClean="0">
+                <a:solidFill>
+                  <a:srgbClr val="C5060B"/>
+                </a:solidFill>
+                <a:latin typeface="Consolas"/>
+              </a:rPr>
+              <a:t>KEY_NAME</a:t>
+            </a:r>
+            <a:r>
+              <a:rPr lang="en-US" b="1" dirty="0" smtClean="0">
+                <a:solidFill>
+                  <a:srgbClr val="000000"/>
+                </a:solidFill>
+                <a:latin typeface="Consolas"/>
+              </a:rPr>
+              <a:t>, </a:t>
+            </a:r>
+            <a:r>
+              <a:rPr lang="en-US" b="1" dirty="0" err="1" smtClean="0">
+                <a:solidFill>
+                  <a:srgbClr val="000000"/>
+                </a:solidFill>
+                <a:latin typeface="Consolas"/>
+              </a:rPr>
+              <a:t>image</a:t>
+            </a:r>
+            <a:r>
+              <a:rPr lang="en-US" b="1" dirty="0" err="1" smtClean="0">
+                <a:solidFill>
+                  <a:srgbClr val="0000FF"/>
+                </a:solidFill>
+                <a:latin typeface="Consolas"/>
+              </a:rPr>
+              <a:t>.</a:t>
+            </a:r>
+            <a:r>
+              <a:rPr lang="en-US" b="1" dirty="0" err="1" smtClean="0">
+                <a:solidFill>
+                  <a:srgbClr val="000000"/>
+                </a:solidFill>
+                <a:latin typeface="Consolas"/>
+              </a:rPr>
+              <a:t>getName</a:t>
+            </a:r>
+            <a:r>
+              <a:rPr lang="en-US" b="1" dirty="0" smtClean="0">
+                <a:solidFill>
+                  <a:srgbClr val="000000"/>
+                </a:solidFill>
+                <a:latin typeface="Consolas"/>
+              </a:rPr>
+              <a:t>());   </a:t>
+            </a:r>
+            <a:r>
+              <a:rPr lang="en-US" i="1" dirty="0" smtClean="0">
+                <a:solidFill>
+                  <a:srgbClr val="0066FF"/>
+                </a:solidFill>
+                <a:latin typeface="Consolas"/>
+              </a:rPr>
+              <a:t>// String</a:t>
+            </a:r>
+            <a:endParaRPr lang="en-US" i="1" dirty="0" smtClean="0">
+              <a:solidFill>
+                <a:srgbClr val="000000"/>
+              </a:solidFill>
+              <a:latin typeface="Consolas"/>
+            </a:endParaRPr>
+          </a:p>
+          <a:p>
+            <a:r>
+              <a:rPr lang="en-US" dirty="0" smtClean="0">
+                <a:solidFill>
+                  <a:srgbClr val="000000"/>
+                </a:solidFill>
+                <a:latin typeface="Consolas"/>
+              </a:rPr>
+              <a:t>  </a:t>
+            </a:r>
+            <a:r>
+              <a:rPr lang="en-US" dirty="0" err="1" smtClean="0">
+                <a:solidFill>
+                  <a:srgbClr val="000000"/>
+                </a:solidFill>
+                <a:latin typeface="Consolas"/>
+              </a:rPr>
+              <a:t>values</a:t>
+            </a:r>
+            <a:r>
+              <a:rPr lang="en-US" b="1" dirty="0" err="1" smtClean="0">
+                <a:solidFill>
+                  <a:srgbClr val="0000FF"/>
+                </a:solidFill>
+                <a:latin typeface="Consolas"/>
+              </a:rPr>
+              <a:t>.</a:t>
+            </a:r>
+            <a:r>
+              <a:rPr lang="en-US" b="1" dirty="0" err="1" smtClean="0">
+                <a:solidFill>
+                  <a:srgbClr val="000000"/>
+                </a:solidFill>
+                <a:latin typeface="Consolas"/>
+              </a:rPr>
+              <a:t>put</a:t>
+            </a:r>
+            <a:r>
+              <a:rPr lang="en-US" b="1" dirty="0" smtClean="0">
+                <a:solidFill>
+                  <a:srgbClr val="000000"/>
+                </a:solidFill>
+                <a:latin typeface="Consolas"/>
+              </a:rPr>
+              <a:t>(</a:t>
+            </a:r>
+            <a:r>
+              <a:rPr lang="en-US" b="1" dirty="0" smtClean="0">
+                <a:solidFill>
+                  <a:srgbClr val="C5060B"/>
+                </a:solidFill>
+                <a:latin typeface="Consolas"/>
+              </a:rPr>
+              <a:t>KEY_IMAGE</a:t>
+            </a:r>
+            <a:r>
+              <a:rPr lang="en-US" b="1" dirty="0" smtClean="0">
+                <a:solidFill>
+                  <a:srgbClr val="000000"/>
+                </a:solidFill>
+                <a:latin typeface="Consolas"/>
+              </a:rPr>
+              <a:t>, </a:t>
+            </a:r>
+            <a:r>
+              <a:rPr lang="en-US" b="1" dirty="0" err="1" smtClean="0">
+                <a:solidFill>
+                  <a:srgbClr val="000000"/>
+                </a:solidFill>
+                <a:latin typeface="Consolas"/>
+              </a:rPr>
+              <a:t>image</a:t>
+            </a:r>
+            <a:r>
+              <a:rPr lang="en-US" b="1" dirty="0" err="1" smtClean="0">
+                <a:solidFill>
+                  <a:srgbClr val="0000FF"/>
+                </a:solidFill>
+                <a:latin typeface="Consolas"/>
+              </a:rPr>
+              <a:t>.</a:t>
+            </a:r>
+            <a:r>
+              <a:rPr lang="en-US" b="1" dirty="0" err="1" smtClean="0">
+                <a:solidFill>
+                  <a:srgbClr val="000000"/>
+                </a:solidFill>
+                <a:latin typeface="Consolas"/>
+              </a:rPr>
+              <a:t>getImage</a:t>
+            </a:r>
+            <a:r>
+              <a:rPr lang="en-US" b="1" dirty="0" smtClean="0">
+                <a:solidFill>
+                  <a:srgbClr val="000000"/>
+                </a:solidFill>
+                <a:latin typeface="Consolas"/>
+              </a:rPr>
+              <a:t>()); </a:t>
+            </a:r>
+            <a:r>
+              <a:rPr lang="en-US" i="1" dirty="0" smtClean="0">
+                <a:solidFill>
+                  <a:srgbClr val="0066FF"/>
+                </a:solidFill>
+                <a:latin typeface="Consolas"/>
+              </a:rPr>
+              <a:t>// byte[]</a:t>
+            </a:r>
+            <a:endParaRPr lang="en-US" i="1" dirty="0" smtClean="0">
+              <a:solidFill>
+                <a:srgbClr val="000000"/>
+              </a:solidFill>
+              <a:latin typeface="Consolas"/>
+            </a:endParaRPr>
+          </a:p>
+          <a:p>
+            <a:r>
+              <a:rPr lang="en-US" dirty="0" smtClean="0">
+                <a:solidFill>
+                  <a:srgbClr val="000000"/>
+                </a:solidFill>
+                <a:latin typeface="Consolas"/>
+              </a:rPr>
+              <a:t>  </a:t>
+            </a:r>
+            <a:r>
+              <a:rPr lang="en-US" i="1" dirty="0" smtClean="0">
+                <a:solidFill>
+                  <a:srgbClr val="0066FF"/>
+                </a:solidFill>
+                <a:latin typeface="Consolas"/>
+              </a:rPr>
+              <a:t>// Insert dos dados</a:t>
+            </a:r>
+            <a:endParaRPr lang="en-US" i="1" dirty="0" smtClean="0">
+              <a:solidFill>
+                <a:srgbClr val="000000"/>
+              </a:solidFill>
+              <a:latin typeface="Consolas"/>
+            </a:endParaRPr>
+          </a:p>
+          <a:p>
+            <a:r>
+              <a:rPr lang="en-US" dirty="0" smtClean="0">
+                <a:solidFill>
+                  <a:srgbClr val="000000"/>
+                </a:solidFill>
+                <a:latin typeface="Consolas"/>
+              </a:rPr>
+              <a:t>  </a:t>
+            </a:r>
+            <a:r>
+              <a:rPr lang="en-US" dirty="0" err="1" smtClean="0">
+                <a:solidFill>
+                  <a:srgbClr val="000000"/>
+                </a:solidFill>
+                <a:latin typeface="Consolas"/>
+              </a:rPr>
+              <a:t>db</a:t>
+            </a:r>
+            <a:r>
+              <a:rPr lang="en-US" b="1" dirty="0" err="1" smtClean="0">
+                <a:solidFill>
+                  <a:srgbClr val="0000FF"/>
+                </a:solidFill>
+                <a:latin typeface="Consolas"/>
+              </a:rPr>
+              <a:t>.</a:t>
+            </a:r>
+            <a:r>
+              <a:rPr lang="en-US" b="1" dirty="0" err="1" smtClean="0">
+                <a:solidFill>
+                  <a:srgbClr val="000000"/>
+                </a:solidFill>
+                <a:latin typeface="Consolas"/>
+              </a:rPr>
+              <a:t>insert</a:t>
+            </a:r>
+            <a:r>
+              <a:rPr lang="en-US" b="1" dirty="0" smtClean="0">
+                <a:solidFill>
+                  <a:srgbClr val="000000"/>
+                </a:solidFill>
+                <a:latin typeface="Consolas"/>
+              </a:rPr>
+              <a:t>(</a:t>
+            </a:r>
+            <a:r>
+              <a:rPr lang="en-US" b="1" dirty="0" smtClean="0">
+                <a:solidFill>
+                  <a:srgbClr val="C5060B"/>
+                </a:solidFill>
+                <a:latin typeface="Consolas"/>
+              </a:rPr>
+              <a:t>TABLE_CONTACTS</a:t>
+            </a:r>
+            <a:r>
+              <a:rPr lang="en-US" b="1" dirty="0" smtClean="0">
+                <a:solidFill>
+                  <a:srgbClr val="000000"/>
+                </a:solidFill>
+                <a:latin typeface="Consolas"/>
+              </a:rPr>
+              <a:t>, </a:t>
+            </a:r>
+            <a:r>
+              <a:rPr lang="en-US" b="1" dirty="0" smtClean="0">
+                <a:solidFill>
+                  <a:srgbClr val="585CF6"/>
+                </a:solidFill>
+                <a:latin typeface="Consolas"/>
+              </a:rPr>
+              <a:t>null</a:t>
+            </a:r>
+            <a:r>
+              <a:rPr lang="en-US" b="1" dirty="0" smtClean="0">
+                <a:solidFill>
+                  <a:srgbClr val="000000"/>
+                </a:solidFill>
+                <a:latin typeface="Consolas"/>
+              </a:rPr>
+              <a:t>, values);</a:t>
+            </a:r>
+          </a:p>
+          <a:p>
+            <a:r>
+              <a:rPr lang="en-US" dirty="0" smtClean="0">
+                <a:solidFill>
+                  <a:srgbClr val="000000"/>
+                </a:solidFill>
+                <a:latin typeface="Consolas"/>
+              </a:rPr>
+              <a:t>  </a:t>
+            </a:r>
+            <a:r>
+              <a:rPr lang="pt-PT" dirty="0" err="1" smtClean="0">
+                <a:solidFill>
+                  <a:srgbClr val="000000"/>
+                </a:solidFill>
+                <a:latin typeface="Consolas"/>
+              </a:rPr>
+              <a:t>db</a:t>
+            </a:r>
+            <a:r>
+              <a:rPr lang="pt-PT" b="1" dirty="0" err="1" smtClean="0">
+                <a:solidFill>
+                  <a:srgbClr val="0000FF"/>
+                </a:solidFill>
+                <a:latin typeface="Consolas"/>
+              </a:rPr>
+              <a:t>.</a:t>
+            </a:r>
+            <a:r>
+              <a:rPr lang="pt-PT" b="1" dirty="0" err="1" smtClean="0">
+                <a:solidFill>
+                  <a:srgbClr val="000000"/>
+                </a:solidFill>
+                <a:latin typeface="Consolas"/>
+              </a:rPr>
+              <a:t>close</a:t>
+            </a:r>
+            <a:r>
+              <a:rPr lang="pt-PT" b="1" dirty="0" smtClean="0">
+                <a:solidFill>
+                  <a:srgbClr val="000000"/>
+                </a:solidFill>
+                <a:latin typeface="Consolas"/>
+              </a:rPr>
+              <a:t>();</a:t>
+            </a:r>
+          </a:p>
+          <a:p>
+            <a:r>
+              <a:rPr lang="pt-PT" dirty="0" smtClean="0">
+                <a:solidFill>
+                  <a:srgbClr val="000000"/>
+                </a:solidFill>
+                <a:latin typeface="Consolas"/>
+              </a:rPr>
+              <a:t>}</a:t>
+            </a:r>
+          </a:p>
+          <a:p>
+            <a:endParaRPr lang="pt-PT" dirty="0"/>
+          </a:p>
+        </p:txBody>
+      </p:sp>
+      <p:sp>
+        <p:nvSpPr>
+          <p:cNvPr id="5" name="Marcador de Posição do Texto 4"/>
+          <p:cNvSpPr>
+            <a:spLocks noGrp="1"/>
+          </p:cNvSpPr>
+          <p:nvPr>
+            <p:ph type="body" sz="quarter" idx="14"/>
+          </p:nvPr>
+        </p:nvSpPr>
+        <p:spPr/>
+        <p:txBody>
+          <a:bodyPr/>
+          <a:lstStyle/>
+          <a:p>
+            <a:r>
+              <a:rPr lang="pt-PT" dirty="0" smtClean="0"/>
+              <a:t>Exemplo: Guardar dados numa tabela </a:t>
+            </a:r>
+            <a:r>
+              <a:rPr lang="pt-PT" dirty="0" err="1" smtClean="0"/>
+              <a:t>SQLite</a:t>
+            </a:r>
+            <a:r>
+              <a:rPr lang="pt-PT" dirty="0" smtClean="0"/>
+              <a:t>.</a:t>
+            </a:r>
+            <a:endParaRPr lang="pt-PT" dirty="0"/>
+          </a:p>
+        </p:txBody>
+      </p:sp>
+    </p:spTree>
+  </p:cSld>
+  <p:clrMapOvr>
+    <a:masterClrMapping/>
+  </p:clrMapOvr>
+  <p:timing>
+    <p:tnLst>
+      <p:par>
+        <p:cTn id="1" dur="indefinite" restart="never" nodeType="tmRoot"/>
+      </p:par>
+    </p:tnLst>
+  </p:timing>
+</p:sld>
+</file>
+
+<file path=ppt/slides/slide9.xml><?xml version="1.0" encoding="utf-8"?>
+<p:sld xmlns:a="http://schemas.openxmlformats.org/drawingml/2006/main" xmlns:r="http://schemas.openxmlformats.org/officeDocument/2006/relationships" xmlns:p="http://schemas.openxmlformats.org/presentationml/2006/main">
+  <p:cSld>
+    <p:spTree>
+      <p:nvGrpSpPr>
+        <p:cNvPr id="1" name=""/>
+        <p:cNvGrpSpPr/>
+        <p:nvPr/>
+      </p:nvGrpSpPr>
+      <p:grpSpPr>
+        <a:xfrm>
+          <a:off x="0" y="0"/>
+          <a:ext cx="0" cy="0"/>
+          <a:chOff x="0" y="0"/>
+          <a:chExt cx="0" cy="0"/>
+        </a:xfrm>
+      </p:grpSpPr>
+      <p:sp>
+        <p:nvSpPr>
+          <p:cNvPr id="4" name="Marcador de Posição do Texto 3"/>
+          <p:cNvSpPr>
+            <a:spLocks noGrp="1"/>
+          </p:cNvSpPr>
+          <p:nvPr>
+            <p:ph type="body" sz="quarter" idx="13"/>
+          </p:nvPr>
+        </p:nvSpPr>
+        <p:spPr>
+          <a:xfrm>
+            <a:off x="1871700" y="1417340"/>
+            <a:ext cx="5148572" cy="2880320"/>
+          </a:xfrm>
+        </p:spPr>
+        <p:txBody>
+          <a:bodyPr/>
+          <a:lstStyle/>
+          <a:p>
+            <a:r>
+              <a:rPr lang="en-US" b="1" dirty="0" smtClean="0">
+                <a:solidFill>
+                  <a:srgbClr val="0000FF"/>
+                </a:solidFill>
+                <a:latin typeface="Consolas"/>
+              </a:rPr>
+              <a:t>public</a:t>
+            </a:r>
+            <a:r>
+              <a:rPr lang="en-US" b="1" dirty="0" smtClean="0">
+                <a:solidFill>
+                  <a:srgbClr val="000000"/>
+                </a:solidFill>
+                <a:latin typeface="Consolas"/>
+              </a:rPr>
+              <a:t> </a:t>
+            </a:r>
+            <a:r>
+              <a:rPr lang="en-US" b="1" dirty="0" smtClean="0">
+                <a:solidFill>
+                  <a:srgbClr val="0000FF"/>
+                </a:solidFill>
+                <a:latin typeface="Consolas"/>
+              </a:rPr>
+              <a:t>void</a:t>
+            </a:r>
+            <a:r>
+              <a:rPr lang="en-US" b="1" dirty="0" smtClean="0">
+                <a:solidFill>
+                  <a:srgbClr val="000000"/>
+                </a:solidFill>
+                <a:latin typeface="Consolas"/>
+              </a:rPr>
+              <a:t> </a:t>
+            </a:r>
+            <a:r>
+              <a:rPr lang="en-US" b="1" dirty="0" err="1" smtClean="0">
+                <a:solidFill>
+                  <a:srgbClr val="000000"/>
+                </a:solidFill>
+                <a:latin typeface="Consolas"/>
+              </a:rPr>
+              <a:t>deleteImage</a:t>
+            </a:r>
+            <a:r>
+              <a:rPr lang="en-US" b="1" dirty="0" smtClean="0">
+                <a:solidFill>
+                  <a:srgbClr val="000000"/>
+                </a:solidFill>
+                <a:latin typeface="Consolas"/>
+              </a:rPr>
+              <a:t>(</a:t>
+            </a:r>
+            <a:r>
+              <a:rPr lang="en-US" b="1" dirty="0" err="1" smtClean="0">
+                <a:solidFill>
+                  <a:srgbClr val="0000FF"/>
+                </a:solidFill>
+                <a:latin typeface="Consolas"/>
+              </a:rPr>
+              <a:t>DadosImg</a:t>
+            </a:r>
+            <a:r>
+              <a:rPr lang="en-US" b="1" dirty="0" smtClean="0">
+                <a:solidFill>
+                  <a:srgbClr val="000000"/>
+                </a:solidFill>
+                <a:latin typeface="Consolas"/>
+              </a:rPr>
+              <a:t> image) {</a:t>
+            </a:r>
+          </a:p>
+          <a:p>
+            <a:r>
+              <a:rPr lang="en-US" dirty="0" smtClean="0">
+                <a:solidFill>
+                  <a:srgbClr val="000000"/>
+                </a:solidFill>
+                <a:latin typeface="Consolas"/>
+              </a:rPr>
+              <a:t>  </a:t>
+            </a:r>
+            <a:r>
+              <a:rPr lang="en-US" b="1" dirty="0" err="1" smtClean="0">
+                <a:solidFill>
+                  <a:srgbClr val="0000FF"/>
+                </a:solidFill>
+                <a:latin typeface="Consolas"/>
+              </a:rPr>
+              <a:t>SQLiteDatabase</a:t>
+            </a:r>
+            <a:r>
+              <a:rPr lang="en-US" b="1" dirty="0" smtClean="0">
+                <a:solidFill>
+                  <a:srgbClr val="000000"/>
+                </a:solidFill>
+                <a:latin typeface="Consolas"/>
+              </a:rPr>
+              <a:t> db </a:t>
+            </a:r>
+            <a:r>
+              <a:rPr lang="en-US" b="1" dirty="0" smtClean="0">
+                <a:solidFill>
+                  <a:srgbClr val="0000FF"/>
+                </a:solidFill>
+                <a:latin typeface="Consolas"/>
+              </a:rPr>
+              <a:t>=</a:t>
+            </a:r>
+            <a:r>
+              <a:rPr lang="en-US" b="1" dirty="0" smtClean="0">
+                <a:solidFill>
+                  <a:srgbClr val="000000"/>
+                </a:solidFill>
+                <a:latin typeface="Consolas"/>
+              </a:rPr>
+              <a:t> </a:t>
+            </a:r>
+            <a:r>
+              <a:rPr lang="en-US" b="1" dirty="0" err="1" smtClean="0">
+                <a:solidFill>
+                  <a:srgbClr val="318495"/>
+                </a:solidFill>
+                <a:latin typeface="Consolas"/>
+              </a:rPr>
+              <a:t>this</a:t>
+            </a:r>
+            <a:r>
+              <a:rPr lang="en-US" b="1" dirty="0" err="1" smtClean="0">
+                <a:solidFill>
+                  <a:srgbClr val="0000FF"/>
+                </a:solidFill>
+                <a:latin typeface="Consolas"/>
+              </a:rPr>
+              <a:t>.</a:t>
+            </a:r>
+            <a:r>
+              <a:rPr lang="en-US" b="1" dirty="0" err="1" smtClean="0">
+                <a:solidFill>
+                  <a:srgbClr val="000000"/>
+                </a:solidFill>
+                <a:latin typeface="Consolas"/>
+              </a:rPr>
+              <a:t>getWritableDatabase</a:t>
+            </a:r>
+            <a:r>
+              <a:rPr lang="en-US" b="1" dirty="0" smtClean="0">
+                <a:solidFill>
+                  <a:srgbClr val="000000"/>
+                </a:solidFill>
+                <a:latin typeface="Consolas"/>
+              </a:rPr>
+              <a:t>();</a:t>
+            </a:r>
+          </a:p>
+          <a:p>
+            <a:r>
+              <a:rPr lang="en-US" dirty="0" smtClean="0">
+                <a:solidFill>
+                  <a:srgbClr val="000000"/>
+                </a:solidFill>
+                <a:latin typeface="Consolas"/>
+              </a:rPr>
+              <a:t>  </a:t>
+            </a:r>
+            <a:r>
+              <a:rPr lang="en-US" dirty="0" err="1" smtClean="0">
+                <a:solidFill>
+                  <a:srgbClr val="000000"/>
+                </a:solidFill>
+                <a:latin typeface="Consolas"/>
+              </a:rPr>
+              <a:t>db</a:t>
+            </a:r>
+            <a:r>
+              <a:rPr lang="en-US" b="1" dirty="0" err="1" smtClean="0">
+                <a:solidFill>
+                  <a:srgbClr val="0000FF"/>
+                </a:solidFill>
+                <a:latin typeface="Consolas"/>
+              </a:rPr>
+              <a:t>.</a:t>
+            </a:r>
+            <a:r>
+              <a:rPr lang="en-US" b="1" dirty="0" err="1" smtClean="0">
+                <a:solidFill>
+                  <a:srgbClr val="000000"/>
+                </a:solidFill>
+                <a:latin typeface="Consolas"/>
+              </a:rPr>
+              <a:t>delete</a:t>
+            </a:r>
+            <a:r>
+              <a:rPr lang="en-US" b="1" dirty="0" smtClean="0">
+                <a:solidFill>
+                  <a:srgbClr val="000000"/>
+                </a:solidFill>
+                <a:latin typeface="Consolas"/>
+              </a:rPr>
+              <a:t>(</a:t>
+            </a:r>
+          </a:p>
+          <a:p>
+            <a:r>
+              <a:rPr lang="en-US" dirty="0" smtClean="0">
+                <a:solidFill>
+                  <a:srgbClr val="000000"/>
+                </a:solidFill>
+                <a:latin typeface="Consolas"/>
+              </a:rPr>
+              <a:t>    </a:t>
+            </a:r>
+            <a:r>
+              <a:rPr lang="en-US" b="1" dirty="0" smtClean="0">
+                <a:solidFill>
+                  <a:srgbClr val="C5060B"/>
+                </a:solidFill>
+                <a:latin typeface="Consolas"/>
+              </a:rPr>
+              <a:t>TABLE_IMAGES</a:t>
+            </a:r>
+            <a:r>
+              <a:rPr lang="en-US" b="1" dirty="0" smtClean="0">
+                <a:solidFill>
+                  <a:srgbClr val="000000"/>
+                </a:solidFill>
+                <a:latin typeface="Consolas"/>
+              </a:rPr>
+              <a:t>, </a:t>
+            </a:r>
+            <a:r>
+              <a:rPr lang="en-US" b="1" dirty="0" smtClean="0">
+                <a:solidFill>
+                  <a:srgbClr val="C5060B"/>
+                </a:solidFill>
+                <a:latin typeface="Consolas"/>
+              </a:rPr>
+              <a:t>KEY_ID</a:t>
+            </a:r>
+            <a:r>
+              <a:rPr lang="en-US" b="1" dirty="0" smtClean="0">
+                <a:solidFill>
+                  <a:srgbClr val="000000"/>
+                </a:solidFill>
+                <a:latin typeface="Consolas"/>
+              </a:rPr>
+              <a:t> </a:t>
+            </a:r>
+            <a:r>
+              <a:rPr lang="en-US" b="1" dirty="0" smtClean="0">
+                <a:solidFill>
+                  <a:srgbClr val="0000FF"/>
+                </a:solidFill>
+                <a:latin typeface="Consolas"/>
+              </a:rPr>
+              <a:t>+</a:t>
+            </a:r>
+            <a:r>
+              <a:rPr lang="en-US" b="1" dirty="0" smtClean="0">
+                <a:solidFill>
+                  <a:srgbClr val="000000"/>
+                </a:solidFill>
+                <a:latin typeface="Consolas"/>
+              </a:rPr>
+              <a:t> </a:t>
+            </a:r>
+            <a:r>
+              <a:rPr lang="en-US" b="1" dirty="0" smtClean="0">
+                <a:solidFill>
+                  <a:srgbClr val="036A07"/>
+                </a:solidFill>
+                <a:latin typeface="Consolas"/>
+              </a:rPr>
+              <a:t>" = ?"</a:t>
+            </a:r>
+            <a:r>
+              <a:rPr lang="en-US" b="1" dirty="0" smtClean="0">
+                <a:solidFill>
+                  <a:srgbClr val="000000"/>
+                </a:solidFill>
+                <a:latin typeface="Consolas"/>
+              </a:rPr>
+              <a:t>,</a:t>
+            </a:r>
+          </a:p>
+          <a:p>
+            <a:r>
+              <a:rPr lang="en-US" dirty="0" smtClean="0">
+                <a:solidFill>
+                  <a:srgbClr val="000000"/>
+                </a:solidFill>
+                <a:latin typeface="Consolas"/>
+              </a:rPr>
+              <a:t>    </a:t>
+            </a:r>
+            <a:r>
+              <a:rPr lang="en-US" b="1" dirty="0" smtClean="0">
+                <a:solidFill>
+                  <a:srgbClr val="0000FF"/>
+                </a:solidFill>
+                <a:latin typeface="Consolas"/>
+              </a:rPr>
+              <a:t>new</a:t>
+            </a:r>
+            <a:r>
+              <a:rPr lang="en-US" b="1" dirty="0" smtClean="0">
+                <a:solidFill>
+                  <a:srgbClr val="000000"/>
+                </a:solidFill>
+                <a:latin typeface="Consolas"/>
+              </a:rPr>
+              <a:t> </a:t>
+            </a:r>
+            <a:r>
+              <a:rPr lang="en-US" b="1" dirty="0" smtClean="0">
+                <a:solidFill>
+                  <a:srgbClr val="0000FF"/>
+                </a:solidFill>
+                <a:latin typeface="Consolas"/>
+              </a:rPr>
+              <a:t>String</a:t>
+            </a:r>
+            <a:r>
+              <a:rPr lang="en-US" b="1" dirty="0" smtClean="0">
+                <a:solidFill>
+                  <a:srgbClr val="000000"/>
+                </a:solidFill>
+                <a:latin typeface="Consolas"/>
+              </a:rPr>
+              <a:t>[] { </a:t>
+            </a:r>
+            <a:r>
+              <a:rPr lang="en-US" b="1" dirty="0" err="1" smtClean="0">
+                <a:solidFill>
+                  <a:srgbClr val="0000FF"/>
+                </a:solidFill>
+                <a:latin typeface="Consolas"/>
+              </a:rPr>
+              <a:t>String.</a:t>
+            </a:r>
+            <a:r>
+              <a:rPr lang="en-US" b="1" dirty="0" err="1" smtClean="0">
+                <a:solidFill>
+                  <a:srgbClr val="000000"/>
+                </a:solidFill>
+                <a:latin typeface="Consolas"/>
+              </a:rPr>
+              <a:t>valueOf</a:t>
+            </a:r>
+            <a:r>
+              <a:rPr lang="en-US" b="1" dirty="0" smtClean="0">
+                <a:solidFill>
+                  <a:srgbClr val="000000"/>
+                </a:solidFill>
+                <a:latin typeface="Consolas"/>
+              </a:rPr>
+              <a:t>(</a:t>
+            </a:r>
+            <a:r>
+              <a:rPr lang="en-US" b="1" dirty="0" err="1" smtClean="0">
+                <a:solidFill>
+                  <a:srgbClr val="000000"/>
+                </a:solidFill>
+                <a:latin typeface="Consolas"/>
+              </a:rPr>
+              <a:t>image</a:t>
+            </a:r>
+            <a:r>
+              <a:rPr lang="en-US" b="1" dirty="0" err="1" smtClean="0">
+                <a:solidFill>
+                  <a:srgbClr val="0000FF"/>
+                </a:solidFill>
+                <a:latin typeface="Consolas"/>
+              </a:rPr>
+              <a:t>.</a:t>
+            </a:r>
+            <a:r>
+              <a:rPr lang="en-US" b="1" dirty="0" err="1" smtClean="0">
+                <a:solidFill>
+                  <a:srgbClr val="000000"/>
+                </a:solidFill>
+                <a:latin typeface="Consolas"/>
+              </a:rPr>
+              <a:t>getID</a:t>
+            </a:r>
+            <a:r>
+              <a:rPr lang="en-US" b="1" dirty="0" smtClean="0">
+                <a:solidFill>
+                  <a:srgbClr val="000000"/>
+                </a:solidFill>
+                <a:latin typeface="Consolas"/>
+              </a:rPr>
+              <a:t>()) }</a:t>
+            </a:r>
+          </a:p>
+          <a:p>
+            <a:r>
+              <a:rPr lang="en-US" dirty="0" smtClean="0">
+                <a:solidFill>
+                  <a:srgbClr val="000000"/>
+                </a:solidFill>
+                <a:latin typeface="Consolas"/>
+              </a:rPr>
+              <a:t>  </a:t>
+            </a:r>
+            <a:r>
+              <a:rPr lang="pt-PT" dirty="0" smtClean="0">
+                <a:solidFill>
+                  <a:srgbClr val="000000"/>
+                </a:solidFill>
+                <a:latin typeface="Consolas"/>
+              </a:rPr>
+              <a:t>);</a:t>
+            </a:r>
+          </a:p>
+          <a:p>
+            <a:r>
+              <a:rPr lang="pt-PT" dirty="0" smtClean="0">
+                <a:solidFill>
+                  <a:srgbClr val="000000"/>
+                </a:solidFill>
+                <a:latin typeface="Consolas"/>
+              </a:rPr>
+              <a:t>  </a:t>
+            </a:r>
+            <a:r>
+              <a:rPr lang="pt-PT" dirty="0" err="1" smtClean="0">
+                <a:solidFill>
+                  <a:srgbClr val="000000"/>
+                </a:solidFill>
+                <a:latin typeface="Consolas"/>
+              </a:rPr>
+              <a:t>db</a:t>
+            </a:r>
+            <a:r>
+              <a:rPr lang="pt-PT" b="1" dirty="0" err="1" smtClean="0">
+                <a:solidFill>
+                  <a:srgbClr val="0000FF"/>
+                </a:solidFill>
+                <a:latin typeface="Consolas"/>
+              </a:rPr>
+              <a:t>.</a:t>
+            </a:r>
+            <a:r>
+              <a:rPr lang="pt-PT" b="1" dirty="0" err="1" smtClean="0">
+                <a:solidFill>
+                  <a:srgbClr val="000000"/>
+                </a:solidFill>
+                <a:latin typeface="Consolas"/>
+              </a:rPr>
+              <a:t>close</a:t>
+            </a:r>
+            <a:r>
+              <a:rPr lang="pt-PT" b="1" dirty="0" smtClean="0">
+                <a:solidFill>
+                  <a:srgbClr val="000000"/>
+                </a:solidFill>
+                <a:latin typeface="Consolas"/>
+              </a:rPr>
+              <a:t>();</a:t>
+            </a:r>
+          </a:p>
+          <a:p>
+            <a:r>
+              <a:rPr lang="pt-PT" dirty="0" smtClean="0">
+                <a:solidFill>
+                  <a:srgbClr val="000000"/>
+                </a:solidFill>
+                <a:latin typeface="Consolas"/>
+              </a:rPr>
+              <a:t>}</a:t>
+            </a:r>
+            <a:endParaRPr lang="pt-PT" dirty="0" smtClean="0">
+              <a:solidFill>
+                <a:srgbClr val="000000"/>
+              </a:solidFill>
+              <a:latin typeface="Consolas"/>
+            </a:endParaRPr>
+          </a:p>
+        </p:txBody>
+      </p:sp>
+      <p:sp>
+        <p:nvSpPr>
+          <p:cNvPr id="5" name="Marcador de Posição do Texto 4"/>
+          <p:cNvSpPr>
+            <a:spLocks noGrp="1"/>
+          </p:cNvSpPr>
+          <p:nvPr>
+            <p:ph type="body" sz="quarter" idx="14"/>
+          </p:nvPr>
+        </p:nvSpPr>
+        <p:spPr/>
+        <p:txBody>
+          <a:bodyPr/>
+          <a:lstStyle/>
+          <a:p>
+            <a:r>
+              <a:rPr lang="pt-PT" dirty="0" smtClean="0"/>
+              <a:t>Exemplo: Eliminar dados duma tabela </a:t>
+            </a:r>
+            <a:r>
+              <a:rPr lang="pt-PT" dirty="0" err="1" smtClean="0"/>
+              <a:t>SQLite</a:t>
+            </a:r>
+            <a:r>
+              <a:rPr lang="pt-PT" dirty="0" smtClean="0"/>
+              <a:t>.</a:t>
             </a:r>
             <a:endParaRPr lang="pt-PT" dirty="0"/>
           </a:p>
